--- a/Software Testing/Fundamentals of Computer & OS Concepts/Fundamentals of Computing session 6.pptx
+++ b/Software Testing/Fundamentals of Computer & OS Concepts/Fundamentals of Computing session 6.pptx
@@ -7,12 +7,29 @@
   <p:sldIdLst>
     <p:sldId id="257" r:id="rId2"/>
     <p:sldId id="256" r:id="rId3"/>
-    <p:sldId id="258" r:id="rId4"/>
-    <p:sldId id="259" r:id="rId5"/>
-    <p:sldId id="260" r:id="rId6"/>
-    <p:sldId id="261" r:id="rId7"/>
-    <p:sldId id="262" r:id="rId8"/>
-    <p:sldId id="263" r:id="rId9"/>
+    <p:sldId id="264" r:id="rId4"/>
+    <p:sldId id="265" r:id="rId5"/>
+    <p:sldId id="258" r:id="rId6"/>
+    <p:sldId id="259" r:id="rId7"/>
+    <p:sldId id="260" r:id="rId8"/>
+    <p:sldId id="261" r:id="rId9"/>
+    <p:sldId id="262" r:id="rId10"/>
+    <p:sldId id="263" r:id="rId11"/>
+    <p:sldId id="266" r:id="rId12"/>
+    <p:sldId id="267" r:id="rId13"/>
+    <p:sldId id="269" r:id="rId14"/>
+    <p:sldId id="270" r:id="rId15"/>
+    <p:sldId id="271" r:id="rId16"/>
+    <p:sldId id="272" r:id="rId17"/>
+    <p:sldId id="273" r:id="rId18"/>
+    <p:sldId id="274" r:id="rId19"/>
+    <p:sldId id="275" r:id="rId20"/>
+    <p:sldId id="277" r:id="rId21"/>
+    <p:sldId id="278" r:id="rId22"/>
+    <p:sldId id="279" r:id="rId23"/>
+    <p:sldId id="280" r:id="rId24"/>
+    <p:sldId id="281" r:id="rId25"/>
+    <p:sldId id="282" r:id="rId26"/>
   </p:sldIdLst>
   <p:sldSz cx="12192000" cy="6858000"/>
   <p:notesSz cx="6858000" cy="9144000"/>
@@ -258,7 +275,7 @@
           <a:p>
             <a:fld id="{4A6B0A78-8226-40D9-9A75-C3171AD3DEA3}" type="datetimeFigureOut">
               <a:rPr lang="en-IN" smtClean="0"/>
-              <a:t>23-10-2019</a:t>
+              <a:t>28-10-2019</a:t>
             </a:fld>
             <a:endParaRPr lang="en-IN"/>
           </a:p>
@@ -543,7 +560,7 @@
           <a:p>
             <a:fld id="{4A6B0A78-8226-40D9-9A75-C3171AD3DEA3}" type="datetimeFigureOut">
               <a:rPr lang="en-IN" smtClean="0"/>
-              <a:t>23-10-2019</a:t>
+              <a:t>28-10-2019</a:t>
             </a:fld>
             <a:endParaRPr lang="en-IN"/>
           </a:p>
@@ -736,7 +753,7 @@
           <a:p>
             <a:fld id="{4A6B0A78-8226-40D9-9A75-C3171AD3DEA3}" type="datetimeFigureOut">
               <a:rPr lang="en-IN" smtClean="0"/>
-              <a:t>23-10-2019</a:t>
+              <a:t>28-10-2019</a:t>
             </a:fld>
             <a:endParaRPr lang="en-IN"/>
           </a:p>
@@ -944,7 +961,7 @@
           <a:p>
             <a:fld id="{4A6B0A78-8226-40D9-9A75-C3171AD3DEA3}" type="datetimeFigureOut">
               <a:rPr lang="en-IN" smtClean="0"/>
-              <a:t>23-10-2019</a:t>
+              <a:t>28-10-2019</a:t>
             </a:fld>
             <a:endParaRPr lang="en-IN"/>
           </a:p>
@@ -1484,7 +1501,7 @@
           <a:p>
             <a:fld id="{4A6B0A78-8226-40D9-9A75-C3171AD3DEA3}" type="datetimeFigureOut">
               <a:rPr lang="en-IN" smtClean="0"/>
-              <a:t>23-10-2019</a:t>
+              <a:t>28-10-2019</a:t>
             </a:fld>
             <a:endParaRPr lang="en-IN"/>
           </a:p>
@@ -1756,7 +1773,7 @@
           <a:p>
             <a:fld id="{4A6B0A78-8226-40D9-9A75-C3171AD3DEA3}" type="datetimeFigureOut">
               <a:rPr lang="en-IN" smtClean="0"/>
-              <a:t>23-10-2019</a:t>
+              <a:t>28-10-2019</a:t>
             </a:fld>
             <a:endParaRPr lang="en-IN"/>
           </a:p>
@@ -2016,7 +2033,7 @@
           <a:p>
             <a:fld id="{4A6B0A78-8226-40D9-9A75-C3171AD3DEA3}" type="datetimeFigureOut">
               <a:rPr lang="en-IN" smtClean="0"/>
-              <a:t>23-10-2019</a:t>
+              <a:t>28-10-2019</a:t>
             </a:fld>
             <a:endParaRPr lang="en-IN"/>
           </a:p>
@@ -2406,7 +2423,7 @@
           <a:p>
             <a:fld id="{4A6B0A78-8226-40D9-9A75-C3171AD3DEA3}" type="datetimeFigureOut">
               <a:rPr lang="en-IN" smtClean="0"/>
-              <a:t>23-10-2019</a:t>
+              <a:t>28-10-2019</a:t>
             </a:fld>
             <a:endParaRPr lang="en-IN"/>
           </a:p>
@@ -2552,7 +2569,7 @@
           <a:p>
             <a:fld id="{4A6B0A78-8226-40D9-9A75-C3171AD3DEA3}" type="datetimeFigureOut">
               <a:rPr lang="en-IN" smtClean="0"/>
-              <a:t>23-10-2019</a:t>
+              <a:t>28-10-2019</a:t>
             </a:fld>
             <a:endParaRPr lang="en-IN"/>
           </a:p>
@@ -2675,7 +2692,7 @@
           <a:p>
             <a:fld id="{4A6B0A78-8226-40D9-9A75-C3171AD3DEA3}" type="datetimeFigureOut">
               <a:rPr lang="en-IN" smtClean="0"/>
-              <a:t>23-10-2019</a:t>
+              <a:t>28-10-2019</a:t>
             </a:fld>
             <a:endParaRPr lang="en-IN"/>
           </a:p>
@@ -2980,7 +2997,7 @@
           <a:p>
             <a:fld id="{4A6B0A78-8226-40D9-9A75-C3171AD3DEA3}" type="datetimeFigureOut">
               <a:rPr lang="en-IN" smtClean="0"/>
-              <a:t>23-10-2019</a:t>
+              <a:t>28-10-2019</a:t>
             </a:fld>
             <a:endParaRPr lang="en-IN"/>
           </a:p>
@@ -3605,7 +3622,7 @@
           <a:p>
             <a:r>
               <a:rPr lang="en-IN" dirty="0" smtClean="0"/>
-              <a:t>Fundamentals of Computing</a:t>
+              <a:t>Fundamentals of Computing Programing Structures</a:t>
             </a:r>
             <a:endParaRPr lang="en-IN" dirty="0"/>
           </a:p>
@@ -3621,6 +3638,2254 @@
   <p:clrMapOvr>
     <a:masterClrMapping/>
   </p:clrMapOvr>
+  <p:timing>
+    <p:tnLst>
+      <p:par>
+        <p:cTn id="1" dur="indefinite" restart="never" nodeType="tmRoot"/>
+      </p:par>
+    </p:tnLst>
+  </p:timing>
+</p:sld>
+</file>
+
+<file path=ppt/slides/slide10.xml><?xml version="1.0" encoding="utf-8"?>
+<p:sld xmlns:a="http://schemas.openxmlformats.org/drawingml/2006/main" xmlns:r="http://schemas.openxmlformats.org/officeDocument/2006/relationships" xmlns:p="http://schemas.openxmlformats.org/presentationml/2006/main">
+  <p:cSld>
+    <p:spTree>
+      <p:nvGrpSpPr>
+        <p:cNvPr id="1" name=""/>
+        <p:cNvGrpSpPr/>
+        <p:nvPr/>
+      </p:nvGrpSpPr>
+      <p:grpSpPr>
+        <a:xfrm>
+          <a:off x="0" y="0"/>
+          <a:ext cx="0" cy="0"/>
+          <a:chOff x="0" y="0"/>
+          <a:chExt cx="0" cy="0"/>
+        </a:xfrm>
+      </p:grpSpPr>
+      <p:sp>
+        <p:nvSpPr>
+          <p:cNvPr id="2" name="Title 1"/>
+          <p:cNvSpPr>
+            <a:spLocks noGrp="1"/>
+          </p:cNvSpPr>
+          <p:nvPr>
+            <p:ph type="title"/>
+          </p:nvPr>
+        </p:nvSpPr>
+        <p:spPr/>
+        <p:txBody>
+          <a:bodyPr>
+            <a:normAutofit fontScale="90000"/>
+          </a:bodyPr>
+          <a:lstStyle/>
+          <a:p>
+            <a:r>
+              <a:rPr lang="en-US" dirty="0"/>
+              <a:t>Structured Programming Vs Object Oriented Programming</a:t>
+            </a:r>
+            <a:endParaRPr lang="en-IN" dirty="0"/>
+          </a:p>
+        </p:txBody>
+      </p:sp>
+      <p:sp>
+        <p:nvSpPr>
+          <p:cNvPr id="3" name="Content Placeholder 2"/>
+          <p:cNvSpPr>
+            <a:spLocks noGrp="1"/>
+          </p:cNvSpPr>
+          <p:nvPr>
+            <p:ph idx="1"/>
+          </p:nvPr>
+        </p:nvSpPr>
+        <p:spPr/>
+        <p:txBody>
+          <a:bodyPr/>
+          <a:lstStyle/>
+          <a:p>
+            <a:endParaRPr lang="en-US" dirty="0" smtClean="0"/>
+          </a:p>
+          <a:p>
+            <a:r>
+              <a:rPr lang="en-US" dirty="0" smtClean="0"/>
+              <a:t>In</a:t>
+            </a:r>
+            <a:r>
+              <a:rPr lang="en-US" dirty="0"/>
+              <a:t> </a:t>
+            </a:r>
+            <a:r>
+              <a:rPr lang="en-US" b="1" dirty="0"/>
+              <a:t>structured programming</a:t>
+            </a:r>
+            <a:r>
+              <a:rPr lang="en-US" dirty="0"/>
+              <a:t>, blocks of programming statements (code) are executed one after another. Control statements change which blocks of code are executed next.</a:t>
+            </a:r>
+          </a:p>
+          <a:p>
+            <a:r>
+              <a:rPr lang="en-US" dirty="0"/>
+              <a:t>In </a:t>
+            </a:r>
+            <a:r>
+              <a:rPr lang="en-US" b="1" dirty="0"/>
+              <a:t>object oriented programming</a:t>
+            </a:r>
+            <a:r>
+              <a:rPr lang="en-US" dirty="0"/>
+              <a:t>, data are contained in objects and are accessed using special methods (blocks of code) specific to the type of object. There is no single “flow” of the program as objects can freely interact with one another by passing messages.</a:t>
+            </a:r>
+          </a:p>
+          <a:p>
+            <a:pPr marL="0" indent="0">
+              <a:buNone/>
+            </a:pPr>
+            <a:endParaRPr lang="en-IN" dirty="0"/>
+          </a:p>
+        </p:txBody>
+      </p:sp>
+    </p:spTree>
+    <p:extLst>
+      <p:ext uri="{BB962C8B-B14F-4D97-AF65-F5344CB8AC3E}">
+        <p14:creationId xmlns:p14="http://schemas.microsoft.com/office/powerpoint/2010/main" val="3293504590"/>
+      </p:ext>
+    </p:extLst>
+  </p:cSld>
+  <p:clrMapOvr>
+    <a:masterClrMapping/>
+  </p:clrMapOvr>
+  <p:timing>
+    <p:tnLst>
+      <p:par>
+        <p:cTn id="1" dur="indefinite" restart="never" nodeType="tmRoot"/>
+      </p:par>
+    </p:tnLst>
+  </p:timing>
+</p:sld>
+</file>
+
+<file path=ppt/slides/slide11.xml><?xml version="1.0" encoding="utf-8"?>
+<p:sld xmlns:a="http://schemas.openxmlformats.org/drawingml/2006/main" xmlns:r="http://schemas.openxmlformats.org/officeDocument/2006/relationships" xmlns:p="http://schemas.openxmlformats.org/presentationml/2006/main">
+  <p:cSld>
+    <p:spTree>
+      <p:nvGrpSpPr>
+        <p:cNvPr id="1" name=""/>
+        <p:cNvGrpSpPr/>
+        <p:nvPr/>
+      </p:nvGrpSpPr>
+      <p:grpSpPr>
+        <a:xfrm>
+          <a:off x="0" y="0"/>
+          <a:ext cx="0" cy="0"/>
+          <a:chOff x="0" y="0"/>
+          <a:chExt cx="0" cy="0"/>
+        </a:xfrm>
+      </p:grpSpPr>
+      <p:sp>
+        <p:nvSpPr>
+          <p:cNvPr id="2" name="Title 1"/>
+          <p:cNvSpPr>
+            <a:spLocks noGrp="1"/>
+          </p:cNvSpPr>
+          <p:nvPr>
+            <p:ph type="title"/>
+          </p:nvPr>
+        </p:nvSpPr>
+        <p:spPr/>
+        <p:txBody>
+          <a:bodyPr/>
+          <a:lstStyle/>
+          <a:p>
+            <a:r>
+              <a:rPr lang="en-US" dirty="0"/>
+              <a:t>Program Structure</a:t>
+            </a:r>
+            <a:endParaRPr lang="en-IN" dirty="0"/>
+          </a:p>
+        </p:txBody>
+      </p:sp>
+      <p:sp>
+        <p:nvSpPr>
+          <p:cNvPr id="3" name="Content Placeholder 2"/>
+          <p:cNvSpPr>
+            <a:spLocks noGrp="1"/>
+          </p:cNvSpPr>
+          <p:nvPr>
+            <p:ph idx="1"/>
+          </p:nvPr>
+        </p:nvSpPr>
+        <p:spPr/>
+        <p:txBody>
+          <a:bodyPr/>
+          <a:lstStyle/>
+          <a:p>
+            <a:endParaRPr lang="en-US" dirty="0" smtClean="0"/>
+          </a:p>
+          <a:p>
+            <a:r>
+              <a:rPr lang="en-US" sz="2800" dirty="0" smtClean="0"/>
+              <a:t>The </a:t>
+            </a:r>
+            <a:r>
+              <a:rPr lang="en-US" sz="2800" dirty="0"/>
+              <a:t>same structure is followed by all structured programs </a:t>
+            </a:r>
+            <a:r>
+              <a:rPr lang="en-US" sz="2800" dirty="0" smtClean="0"/>
+              <a:t>:</a:t>
+            </a:r>
+            <a:endParaRPr lang="en-US" sz="2800" dirty="0"/>
+          </a:p>
+          <a:p>
+            <a:pPr lvl="1">
+              <a:buFont typeface="Wingdings" pitchFamily="2" charset="2"/>
+              <a:buChar char="Ø"/>
+            </a:pPr>
+            <a:r>
+              <a:rPr lang="en-US" sz="2800" dirty="0"/>
+              <a:t>Statement to establish the start of the program</a:t>
+            </a:r>
+          </a:p>
+          <a:p>
+            <a:pPr lvl="1">
+              <a:buFont typeface="Wingdings" pitchFamily="2" charset="2"/>
+              <a:buChar char="Ø"/>
+            </a:pPr>
+            <a:r>
+              <a:rPr lang="en-US" sz="2800" dirty="0"/>
+              <a:t>Variable Declaration</a:t>
+            </a:r>
+          </a:p>
+          <a:p>
+            <a:pPr lvl="1">
+              <a:buFont typeface="Wingdings" pitchFamily="2" charset="2"/>
+              <a:buChar char="Ø"/>
+            </a:pPr>
+            <a:r>
+              <a:rPr lang="en-US" sz="2800" dirty="0"/>
+              <a:t>Program Statements(blocks of code)</a:t>
+            </a:r>
+          </a:p>
+          <a:p>
+            <a:pPr marL="0" indent="0">
+              <a:buNone/>
+            </a:pPr>
+            <a:endParaRPr lang="en-IN" dirty="0"/>
+          </a:p>
+        </p:txBody>
+      </p:sp>
+    </p:spTree>
+    <p:extLst>
+      <p:ext uri="{BB962C8B-B14F-4D97-AF65-F5344CB8AC3E}">
+        <p14:creationId xmlns:p14="http://schemas.microsoft.com/office/powerpoint/2010/main" val="3326680949"/>
+      </p:ext>
+    </p:extLst>
+  </p:cSld>
+  <p:clrMapOvr>
+    <a:masterClrMapping/>
+  </p:clrMapOvr>
+  <p:timing>
+    <p:tnLst>
+      <p:par>
+        <p:cTn id="1" dur="indefinite" restart="never" nodeType="tmRoot"/>
+      </p:par>
+    </p:tnLst>
+  </p:timing>
+</p:sld>
+</file>
+
+<file path=ppt/slides/slide12.xml><?xml version="1.0" encoding="utf-8"?>
+<p:sld xmlns:a="http://schemas.openxmlformats.org/drawingml/2006/main" xmlns:r="http://schemas.openxmlformats.org/officeDocument/2006/relationships" xmlns:p="http://schemas.openxmlformats.org/presentationml/2006/main">
+  <p:cSld>
+    <p:spTree>
+      <p:nvGrpSpPr>
+        <p:cNvPr id="1" name=""/>
+        <p:cNvGrpSpPr/>
+        <p:nvPr/>
+      </p:nvGrpSpPr>
+      <p:grpSpPr>
+        <a:xfrm>
+          <a:off x="0" y="0"/>
+          <a:ext cx="0" cy="0"/>
+          <a:chOff x="0" y="0"/>
+          <a:chExt cx="0" cy="0"/>
+        </a:xfrm>
+      </p:grpSpPr>
+      <p:sp>
+        <p:nvSpPr>
+          <p:cNvPr id="2" name="Title 1"/>
+          <p:cNvSpPr>
+            <a:spLocks noGrp="1"/>
+          </p:cNvSpPr>
+          <p:nvPr>
+            <p:ph type="title"/>
+          </p:nvPr>
+        </p:nvSpPr>
+        <p:spPr/>
+        <p:txBody>
+          <a:bodyPr/>
+          <a:lstStyle/>
+          <a:p>
+            <a:r>
+              <a:rPr lang="en-US" dirty="0"/>
+              <a:t>Examples</a:t>
+            </a:r>
+            <a:endParaRPr lang="en-IN" dirty="0"/>
+          </a:p>
+        </p:txBody>
+      </p:sp>
+      <p:sp>
+        <p:nvSpPr>
+          <p:cNvPr id="3" name="Content Placeholder 2"/>
+          <p:cNvSpPr>
+            <a:spLocks noGrp="1"/>
+          </p:cNvSpPr>
+          <p:nvPr>
+            <p:ph idx="1"/>
+          </p:nvPr>
+        </p:nvSpPr>
+        <p:spPr/>
+        <p:txBody>
+          <a:bodyPr/>
+          <a:lstStyle/>
+          <a:p>
+            <a:pPr marL="0" indent="0">
+              <a:buNone/>
+            </a:pPr>
+            <a:endParaRPr lang="en-IN" dirty="0" smtClean="0"/>
+          </a:p>
+          <a:p>
+            <a:pPr marL="0" indent="0">
+              <a:buNone/>
+            </a:pPr>
+            <a:endParaRPr lang="en-IN" dirty="0"/>
+          </a:p>
+        </p:txBody>
+      </p:sp>
+      <p:sp>
+        <p:nvSpPr>
+          <p:cNvPr id="4" name="TextBox 3"/>
+          <p:cNvSpPr txBox="1"/>
+          <p:nvPr/>
+        </p:nvSpPr>
+        <p:spPr>
+          <a:xfrm>
+            <a:off x="2076226" y="1804150"/>
+            <a:ext cx="3666482" cy="1477328"/>
+          </a:xfrm>
+          <a:prstGeom prst="rect">
+            <a:avLst/>
+          </a:prstGeom>
+          <a:noFill/>
+        </p:spPr>
+        <p:txBody>
+          <a:bodyPr wrap="square" rtlCol="0">
+            <a:spAutoFit/>
+          </a:bodyPr>
+          <a:lstStyle/>
+          <a:p>
+            <a:pPr>
+              <a:buFont typeface="Wingdings" pitchFamily="2" charset="2"/>
+              <a:buChar char="v"/>
+            </a:pPr>
+            <a:r>
+              <a:rPr lang="en-US" dirty="0" smtClean="0">
+                <a:solidFill>
+                  <a:srgbClr val="000000"/>
+                </a:solidFill>
+                <a:latin typeface="Times New Roman"/>
+              </a:rPr>
+              <a:t>C</a:t>
+            </a:r>
+          </a:p>
+          <a:p>
+            <a:r>
+              <a:rPr lang="en-US" dirty="0" smtClean="0">
+                <a:solidFill>
+                  <a:srgbClr val="000000"/>
+                </a:solidFill>
+                <a:latin typeface="Times New Roman"/>
+              </a:rPr>
+              <a:t>#include &lt;</a:t>
+            </a:r>
+            <a:r>
+              <a:rPr lang="en-US" dirty="0" err="1" smtClean="0">
+                <a:solidFill>
+                  <a:srgbClr val="000000"/>
+                </a:solidFill>
+                <a:latin typeface="Times New Roman"/>
+              </a:rPr>
+              <a:t>stdio.h</a:t>
+            </a:r>
+            <a:r>
+              <a:rPr lang="en-US" dirty="0" smtClean="0">
+                <a:solidFill>
+                  <a:srgbClr val="000000"/>
+                </a:solidFill>
+                <a:latin typeface="Times New Roman"/>
+              </a:rPr>
+              <a:t>&gt; </a:t>
+            </a:r>
+          </a:p>
+          <a:p>
+            <a:r>
+              <a:rPr lang="en-US" dirty="0" smtClean="0">
+                <a:solidFill>
+                  <a:srgbClr val="000000"/>
+                </a:solidFill>
+                <a:latin typeface="Times New Roman"/>
+              </a:rPr>
+              <a:t>void main() { </a:t>
+            </a:r>
+          </a:p>
+          <a:p>
+            <a:r>
+              <a:rPr lang="en-US" dirty="0" err="1" smtClean="0">
+                <a:solidFill>
+                  <a:srgbClr val="000000"/>
+                </a:solidFill>
+                <a:latin typeface="Times New Roman"/>
+              </a:rPr>
+              <a:t>printf</a:t>
+            </a:r>
+            <a:r>
+              <a:rPr lang="en-US" dirty="0" smtClean="0">
+                <a:solidFill>
+                  <a:srgbClr val="000000"/>
+                </a:solidFill>
+                <a:latin typeface="Times New Roman"/>
+              </a:rPr>
+              <a:t>("Hello World"); </a:t>
+            </a:r>
+          </a:p>
+          <a:p>
+            <a:r>
+              <a:rPr lang="en-US" dirty="0" smtClean="0">
+                <a:solidFill>
+                  <a:srgbClr val="000000"/>
+                </a:solidFill>
+                <a:latin typeface="Times New Roman"/>
+              </a:rPr>
+              <a:t>}</a:t>
+            </a:r>
+            <a:endParaRPr lang="en-US" dirty="0">
+              <a:solidFill>
+                <a:srgbClr val="000000"/>
+              </a:solidFill>
+              <a:latin typeface="Times New Roman"/>
+            </a:endParaRPr>
+          </a:p>
+        </p:txBody>
+      </p:sp>
+      <p:pic>
+        <p:nvPicPr>
+          <p:cNvPr id="5" name="Picture 4"/>
+          <p:cNvPicPr>
+            <a:picLocks noChangeAspect="1"/>
+          </p:cNvPicPr>
+          <p:nvPr/>
+        </p:nvPicPr>
+        <p:blipFill>
+          <a:blip r:embed="rId2"/>
+          <a:stretch>
+            <a:fillRect/>
+          </a:stretch>
+        </p:blipFill>
+        <p:spPr>
+          <a:xfrm>
+            <a:off x="6462343" y="1690284"/>
+            <a:ext cx="3273328" cy="1591194"/>
+          </a:xfrm>
+          <a:prstGeom prst="rect">
+            <a:avLst/>
+          </a:prstGeom>
+        </p:spPr>
+      </p:pic>
+      <p:sp>
+        <p:nvSpPr>
+          <p:cNvPr id="7" name="TextBox 6"/>
+          <p:cNvSpPr txBox="1"/>
+          <p:nvPr/>
+        </p:nvSpPr>
+        <p:spPr>
+          <a:xfrm>
+            <a:off x="2076226" y="3830496"/>
+            <a:ext cx="2819400" cy="1754326"/>
+          </a:xfrm>
+          <a:prstGeom prst="rect">
+            <a:avLst/>
+          </a:prstGeom>
+          <a:noFill/>
+        </p:spPr>
+        <p:txBody>
+          <a:bodyPr wrap="square" rtlCol="0">
+            <a:spAutoFit/>
+          </a:bodyPr>
+          <a:lstStyle/>
+          <a:p>
+            <a:pPr>
+              <a:buFont typeface="Wingdings" pitchFamily="2" charset="2"/>
+              <a:buChar char="v"/>
+            </a:pPr>
+            <a:r>
+              <a:rPr lang="en-US" dirty="0" smtClean="0"/>
+              <a:t>Java</a:t>
+            </a:r>
+          </a:p>
+          <a:p>
+            <a:r>
+              <a:rPr lang="en-US" dirty="0" smtClean="0"/>
+              <a:t>class </a:t>
+            </a:r>
+            <a:r>
+              <a:rPr lang="en-US" dirty="0" err="1" smtClean="0"/>
+              <a:t>helloworld</a:t>
+            </a:r>
+            <a:r>
+              <a:rPr lang="en-US" dirty="0" smtClean="0"/>
+              <a:t> { public static void main (String </a:t>
+            </a:r>
+            <a:r>
+              <a:rPr lang="en-US" dirty="0" err="1" smtClean="0"/>
+              <a:t>args</a:t>
+            </a:r>
+            <a:r>
+              <a:rPr lang="en-US" dirty="0" smtClean="0"/>
+              <a:t> []) </a:t>
+            </a:r>
+          </a:p>
+          <a:p>
+            <a:r>
+              <a:rPr lang="en-US" dirty="0" smtClean="0"/>
+              <a:t>{ </a:t>
+            </a:r>
+            <a:r>
+              <a:rPr lang="en-US" dirty="0" err="1" smtClean="0"/>
+              <a:t>System.out.println</a:t>
+            </a:r>
+            <a:r>
+              <a:rPr lang="en-US" dirty="0" smtClean="0"/>
+              <a:t> ("Hello World"); } }</a:t>
+            </a:r>
+            <a:endParaRPr lang="en-US" dirty="0"/>
+          </a:p>
+        </p:txBody>
+      </p:sp>
+      <p:sp>
+        <p:nvSpPr>
+          <p:cNvPr id="8" name="TextBox 7"/>
+          <p:cNvSpPr txBox="1"/>
+          <p:nvPr/>
+        </p:nvSpPr>
+        <p:spPr>
+          <a:xfrm>
+            <a:off x="6462343" y="3830496"/>
+            <a:ext cx="2819400" cy="646331"/>
+          </a:xfrm>
+          <a:prstGeom prst="rect">
+            <a:avLst/>
+          </a:prstGeom>
+          <a:noFill/>
+        </p:spPr>
+        <p:txBody>
+          <a:bodyPr wrap="square" rtlCol="0">
+            <a:spAutoFit/>
+          </a:bodyPr>
+          <a:lstStyle/>
+          <a:p>
+            <a:pPr>
+              <a:buFont typeface="Wingdings" pitchFamily="2" charset="2"/>
+              <a:buChar char="v"/>
+            </a:pPr>
+            <a:r>
+              <a:rPr lang="en-US" dirty="0" smtClean="0"/>
+              <a:t>Basic</a:t>
+            </a:r>
+          </a:p>
+          <a:p>
+            <a:r>
+              <a:rPr lang="en-US" dirty="0" smtClean="0"/>
+              <a:t>print "Hello World"</a:t>
+            </a:r>
+            <a:endParaRPr lang="en-US" dirty="0"/>
+          </a:p>
+        </p:txBody>
+      </p:sp>
+      <p:cxnSp>
+        <p:nvCxnSpPr>
+          <p:cNvPr id="10" name="Straight Connector 9"/>
+          <p:cNvCxnSpPr/>
+          <p:nvPr/>
+        </p:nvCxnSpPr>
+        <p:spPr>
+          <a:xfrm>
+            <a:off x="1828800" y="1441525"/>
+            <a:ext cx="0" cy="4346089"/>
+          </a:xfrm>
+          <a:prstGeom prst="line">
+            <a:avLst/>
+          </a:prstGeom>
+          <a:ln w="34925">
+            <a:solidFill>
+              <a:schemeClr val="tx1"/>
+            </a:solidFill>
+          </a:ln>
+        </p:spPr>
+        <p:style>
+          <a:lnRef idx="1">
+            <a:schemeClr val="accent1"/>
+          </a:lnRef>
+          <a:fillRef idx="0">
+            <a:schemeClr val="accent1"/>
+          </a:fillRef>
+          <a:effectRef idx="0">
+            <a:schemeClr val="accent1"/>
+          </a:effectRef>
+          <a:fontRef idx="minor">
+            <a:schemeClr val="tx1"/>
+          </a:fontRef>
+        </p:style>
+      </p:cxnSp>
+      <p:cxnSp>
+        <p:nvCxnSpPr>
+          <p:cNvPr id="12" name="Straight Connector 11"/>
+          <p:cNvCxnSpPr/>
+          <p:nvPr/>
+        </p:nvCxnSpPr>
+        <p:spPr>
+          <a:xfrm flipV="1">
+            <a:off x="1828800" y="1409255"/>
+            <a:ext cx="7906871" cy="25773"/>
+          </a:xfrm>
+          <a:prstGeom prst="line">
+            <a:avLst/>
+          </a:prstGeom>
+          <a:ln w="34925">
+            <a:solidFill>
+              <a:schemeClr val="tx1"/>
+            </a:solidFill>
+          </a:ln>
+        </p:spPr>
+        <p:style>
+          <a:lnRef idx="1">
+            <a:schemeClr val="accent1"/>
+          </a:lnRef>
+          <a:fillRef idx="0">
+            <a:schemeClr val="accent1"/>
+          </a:fillRef>
+          <a:effectRef idx="0">
+            <a:schemeClr val="accent1"/>
+          </a:effectRef>
+          <a:fontRef idx="minor">
+            <a:schemeClr val="tx1"/>
+          </a:fontRef>
+        </p:style>
+      </p:cxnSp>
+      <p:cxnSp>
+        <p:nvCxnSpPr>
+          <p:cNvPr id="14" name="Straight Connector 13"/>
+          <p:cNvCxnSpPr/>
+          <p:nvPr/>
+        </p:nvCxnSpPr>
+        <p:spPr>
+          <a:xfrm>
+            <a:off x="9735671" y="1399639"/>
+            <a:ext cx="0" cy="4387975"/>
+          </a:xfrm>
+          <a:prstGeom prst="line">
+            <a:avLst/>
+          </a:prstGeom>
+          <a:ln w="34925">
+            <a:solidFill>
+              <a:schemeClr val="tx1"/>
+            </a:solidFill>
+          </a:ln>
+        </p:spPr>
+        <p:style>
+          <a:lnRef idx="1">
+            <a:schemeClr val="accent1"/>
+          </a:lnRef>
+          <a:fillRef idx="0">
+            <a:schemeClr val="accent1"/>
+          </a:fillRef>
+          <a:effectRef idx="0">
+            <a:schemeClr val="accent1"/>
+          </a:effectRef>
+          <a:fontRef idx="minor">
+            <a:schemeClr val="tx1"/>
+          </a:fontRef>
+        </p:style>
+      </p:cxnSp>
+      <p:cxnSp>
+        <p:nvCxnSpPr>
+          <p:cNvPr id="16" name="Straight Connector 15"/>
+          <p:cNvCxnSpPr/>
+          <p:nvPr/>
+        </p:nvCxnSpPr>
+        <p:spPr>
+          <a:xfrm flipV="1">
+            <a:off x="1828800" y="5787614"/>
+            <a:ext cx="7906871" cy="1"/>
+          </a:xfrm>
+          <a:prstGeom prst="line">
+            <a:avLst/>
+          </a:prstGeom>
+          <a:ln w="34925">
+            <a:solidFill>
+              <a:schemeClr val="tx1"/>
+            </a:solidFill>
+          </a:ln>
+        </p:spPr>
+        <p:style>
+          <a:lnRef idx="1">
+            <a:schemeClr val="accent1"/>
+          </a:lnRef>
+          <a:fillRef idx="0">
+            <a:schemeClr val="accent1"/>
+          </a:fillRef>
+          <a:effectRef idx="0">
+            <a:schemeClr val="accent1"/>
+          </a:effectRef>
+          <a:fontRef idx="minor">
+            <a:schemeClr val="tx1"/>
+          </a:fontRef>
+        </p:style>
+      </p:cxnSp>
+      <p:cxnSp>
+        <p:nvCxnSpPr>
+          <p:cNvPr id="18" name="Straight Connector 17"/>
+          <p:cNvCxnSpPr/>
+          <p:nvPr/>
+        </p:nvCxnSpPr>
+        <p:spPr>
+          <a:xfrm>
+            <a:off x="5653144" y="1449259"/>
+            <a:ext cx="8515" cy="4338355"/>
+          </a:xfrm>
+          <a:prstGeom prst="line">
+            <a:avLst/>
+          </a:prstGeom>
+          <a:ln w="34925">
+            <a:solidFill>
+              <a:schemeClr val="tx1"/>
+            </a:solidFill>
+          </a:ln>
+        </p:spPr>
+        <p:style>
+          <a:lnRef idx="1">
+            <a:schemeClr val="accent1"/>
+          </a:lnRef>
+          <a:fillRef idx="0">
+            <a:schemeClr val="accent1"/>
+          </a:fillRef>
+          <a:effectRef idx="0">
+            <a:schemeClr val="accent1"/>
+          </a:effectRef>
+          <a:fontRef idx="minor">
+            <a:schemeClr val="tx1"/>
+          </a:fontRef>
+        </p:style>
+      </p:cxnSp>
+      <p:cxnSp>
+        <p:nvCxnSpPr>
+          <p:cNvPr id="20" name="Straight Connector 19"/>
+          <p:cNvCxnSpPr/>
+          <p:nvPr/>
+        </p:nvCxnSpPr>
+        <p:spPr>
+          <a:xfrm flipV="1">
+            <a:off x="1828800" y="3593626"/>
+            <a:ext cx="7906871" cy="42743"/>
+          </a:xfrm>
+          <a:prstGeom prst="line">
+            <a:avLst/>
+          </a:prstGeom>
+          <a:ln w="34925">
+            <a:solidFill>
+              <a:schemeClr val="tx1"/>
+            </a:solidFill>
+          </a:ln>
+        </p:spPr>
+        <p:style>
+          <a:lnRef idx="1">
+            <a:schemeClr val="accent1"/>
+          </a:lnRef>
+          <a:fillRef idx="0">
+            <a:schemeClr val="accent1"/>
+          </a:fillRef>
+          <a:effectRef idx="0">
+            <a:schemeClr val="accent1"/>
+          </a:effectRef>
+          <a:fontRef idx="minor">
+            <a:schemeClr val="tx1"/>
+          </a:fontRef>
+        </p:style>
+      </p:cxnSp>
+    </p:spTree>
+    <p:extLst>
+      <p:ext uri="{BB962C8B-B14F-4D97-AF65-F5344CB8AC3E}">
+        <p14:creationId xmlns:p14="http://schemas.microsoft.com/office/powerpoint/2010/main" val="2302516864"/>
+      </p:ext>
+    </p:extLst>
+  </p:cSld>
+  <p:clrMapOvr>
+    <a:masterClrMapping/>
+  </p:clrMapOvr>
+  <p:timing>
+    <p:tnLst>
+      <p:par>
+        <p:cTn id="1" dur="indefinite" restart="never" nodeType="tmRoot"/>
+      </p:par>
+    </p:tnLst>
+  </p:timing>
+</p:sld>
+</file>
+
+<file path=ppt/slides/slide13.xml><?xml version="1.0" encoding="utf-8"?>
+<p:sld xmlns:a="http://schemas.openxmlformats.org/drawingml/2006/main" xmlns:r="http://schemas.openxmlformats.org/officeDocument/2006/relationships" xmlns:p="http://schemas.openxmlformats.org/presentationml/2006/main">
+  <p:cSld>
+    <p:spTree>
+      <p:nvGrpSpPr>
+        <p:cNvPr id="1" name=""/>
+        <p:cNvGrpSpPr/>
+        <p:nvPr/>
+      </p:nvGrpSpPr>
+      <p:grpSpPr>
+        <a:xfrm>
+          <a:off x="0" y="0"/>
+          <a:ext cx="0" cy="0"/>
+          <a:chOff x="0" y="0"/>
+          <a:chExt cx="0" cy="0"/>
+        </a:xfrm>
+      </p:grpSpPr>
+      <p:sp>
+        <p:nvSpPr>
+          <p:cNvPr id="2" name="Title 1"/>
+          <p:cNvSpPr>
+            <a:spLocks noGrp="1"/>
+          </p:cNvSpPr>
+          <p:nvPr>
+            <p:ph type="title"/>
+          </p:nvPr>
+        </p:nvSpPr>
+        <p:spPr/>
+        <p:txBody>
+          <a:bodyPr/>
+          <a:lstStyle/>
+          <a:p>
+            <a:r>
+              <a:rPr lang="en-US" dirty="0" smtClean="0"/>
+              <a:t>Variable Declaration</a:t>
+            </a:r>
+            <a:endParaRPr lang="en-US" dirty="0"/>
+          </a:p>
+        </p:txBody>
+      </p:sp>
+      <p:sp>
+        <p:nvSpPr>
+          <p:cNvPr id="3" name="Content Placeholder 2"/>
+          <p:cNvSpPr>
+            <a:spLocks noGrp="1"/>
+          </p:cNvSpPr>
+          <p:nvPr>
+            <p:ph idx="1"/>
+          </p:nvPr>
+        </p:nvSpPr>
+        <p:spPr/>
+        <p:txBody>
+          <a:bodyPr/>
+          <a:lstStyle/>
+          <a:p>
+            <a:r>
+              <a:rPr lang="en-US" sz="2800" dirty="0"/>
+              <a:t>Variables are place holders for data a program might use or manipulate. </a:t>
+            </a:r>
+          </a:p>
+          <a:p>
+            <a:r>
+              <a:rPr lang="en-US" sz="2800" dirty="0"/>
+              <a:t>Variables typically store values of a given </a:t>
+            </a:r>
+            <a:r>
+              <a:rPr lang="en-US" sz="2800" i="1" dirty="0"/>
+              <a:t>type</a:t>
+            </a:r>
+            <a:r>
+              <a:rPr lang="en-US" sz="2800" dirty="0"/>
+              <a:t>. Types generally include:</a:t>
+            </a:r>
+          </a:p>
+          <a:p>
+            <a:r>
+              <a:rPr lang="en-US" sz="2800" b="1" dirty="0"/>
+              <a:t>Integer</a:t>
+            </a:r>
+            <a:r>
+              <a:rPr lang="en-US" sz="2800" dirty="0"/>
+              <a:t> </a:t>
+            </a:r>
+            <a:r>
+              <a:rPr lang="en-US" sz="2800" b="1" dirty="0"/>
+              <a:t>–</a:t>
+            </a:r>
+            <a:r>
+              <a:rPr lang="en-US" sz="2800" dirty="0"/>
+              <a:t> to store integer or “whole” numbers</a:t>
+            </a:r>
+          </a:p>
+          <a:p>
+            <a:r>
+              <a:rPr lang="en-US" sz="2800" b="1" dirty="0"/>
+              <a:t>Real</a:t>
+            </a:r>
+            <a:r>
+              <a:rPr lang="en-US" sz="2800" dirty="0"/>
+              <a:t> </a:t>
+            </a:r>
+            <a:r>
+              <a:rPr lang="en-US" sz="2800" b="1" dirty="0"/>
+              <a:t>–</a:t>
+            </a:r>
+            <a:r>
+              <a:rPr lang="en-US" sz="2800" dirty="0"/>
+              <a:t> to store real or fractional numbers (also called float to indicate a floating point number)</a:t>
+            </a:r>
+          </a:p>
+          <a:p>
+            <a:r>
+              <a:rPr lang="en-US" sz="2800" b="1" dirty="0"/>
+              <a:t>Character</a:t>
+            </a:r>
+            <a:r>
+              <a:rPr lang="en-US" sz="2800" dirty="0"/>
+              <a:t> </a:t>
+            </a:r>
+            <a:r>
+              <a:rPr lang="en-US" sz="2800" b="1" dirty="0"/>
+              <a:t>– </a:t>
+            </a:r>
+            <a:r>
+              <a:rPr lang="en-US" sz="2800" dirty="0"/>
+              <a:t>A single character such as a letter of the alphabet or punctuation.</a:t>
+            </a:r>
+          </a:p>
+          <a:p>
+            <a:r>
+              <a:rPr lang="en-US" sz="2800" b="1" dirty="0"/>
+              <a:t>String</a:t>
+            </a:r>
+            <a:r>
+              <a:rPr lang="en-US" sz="2800" dirty="0"/>
+              <a:t> </a:t>
+            </a:r>
+            <a:r>
+              <a:rPr lang="en-US" sz="2800" b="1" dirty="0"/>
+              <a:t>– </a:t>
+            </a:r>
+            <a:r>
+              <a:rPr lang="en-US" sz="2800" dirty="0"/>
+              <a:t>A collection of characters</a:t>
+            </a:r>
+          </a:p>
+          <a:p>
+            <a:pPr>
+              <a:buNone/>
+            </a:pPr>
+            <a:endParaRPr lang="en-US" dirty="0"/>
+          </a:p>
+        </p:txBody>
+      </p:sp>
+    </p:spTree>
+    <p:extLst>
+      <p:ext uri="{BB962C8B-B14F-4D97-AF65-F5344CB8AC3E}">
+        <p14:creationId xmlns:p14="http://schemas.microsoft.com/office/powerpoint/2010/main" val="115359181"/>
+      </p:ext>
+    </p:extLst>
+  </p:cSld>
+  <p:clrMapOvr>
+    <a:masterClrMapping/>
+  </p:clrMapOvr>
+  <p:timing>
+    <p:tnLst>
+      <p:par>
+        <p:cTn id="1" dur="indefinite" restart="never" nodeType="tmRoot"/>
+      </p:par>
+    </p:tnLst>
+  </p:timing>
+</p:sld>
+</file>
+
+<file path=ppt/slides/slide14.xml><?xml version="1.0" encoding="utf-8"?>
+<p:sld xmlns:a="http://schemas.openxmlformats.org/drawingml/2006/main" xmlns:r="http://schemas.openxmlformats.org/officeDocument/2006/relationships" xmlns:p="http://schemas.openxmlformats.org/presentationml/2006/main">
+  <p:cSld>
+    <p:spTree>
+      <p:nvGrpSpPr>
+        <p:cNvPr id="1" name=""/>
+        <p:cNvGrpSpPr/>
+        <p:nvPr/>
+      </p:nvGrpSpPr>
+      <p:grpSpPr>
+        <a:xfrm>
+          <a:off x="0" y="0"/>
+          <a:ext cx="0" cy="0"/>
+          <a:chOff x="0" y="0"/>
+          <a:chExt cx="0" cy="0"/>
+        </a:xfrm>
+      </p:grpSpPr>
+      <p:sp>
+        <p:nvSpPr>
+          <p:cNvPr id="2" name="Title 1"/>
+          <p:cNvSpPr>
+            <a:spLocks noGrp="1"/>
+          </p:cNvSpPr>
+          <p:nvPr>
+            <p:ph type="title"/>
+          </p:nvPr>
+        </p:nvSpPr>
+        <p:spPr/>
+        <p:txBody>
+          <a:bodyPr/>
+          <a:lstStyle/>
+          <a:p>
+            <a:r>
+              <a:rPr lang="en-US" dirty="0" smtClean="0"/>
+              <a:t>Examples</a:t>
+            </a:r>
+            <a:endParaRPr lang="en-US" dirty="0"/>
+          </a:p>
+        </p:txBody>
+      </p:sp>
+      <p:graphicFrame>
+        <p:nvGraphicFramePr>
+          <p:cNvPr id="4" name="Content Placeholder 3"/>
+          <p:cNvGraphicFramePr>
+            <a:graphicFrameLocks noGrp="1"/>
+          </p:cNvGraphicFramePr>
+          <p:nvPr>
+            <p:ph idx="1"/>
+            <p:extLst>
+              <p:ext uri="{D42A27DB-BD31-4B8C-83A1-F6EECF244321}">
+                <p14:modId xmlns:p14="http://schemas.microsoft.com/office/powerpoint/2010/main" val="1041542888"/>
+              </p:ext>
+            </p:extLst>
+          </p:nvPr>
+        </p:nvGraphicFramePr>
+        <p:xfrm>
+          <a:off x="1140310" y="1514140"/>
+          <a:ext cx="8961122" cy="3993775"/>
+        </p:xfrm>
+        <a:graphic>
+          <a:graphicData uri="http://schemas.openxmlformats.org/drawingml/2006/table">
+            <a:tbl>
+              <a:tblPr firstRow="1" bandRow="1">
+                <a:tableStyleId>{C083E6E3-FA7D-4D7B-A595-EF9225AFEA82}</a:tableStyleId>
+              </a:tblPr>
+              <a:tblGrid>
+                <a:gridCol w="4480561">
+                  <a:extLst>
+                    <a:ext uri="{9D8B030D-6E8A-4147-A177-3AD203B41FA5}">
+                      <a16:colId xmlns:a16="http://schemas.microsoft.com/office/drawing/2014/main" val="20000"/>
+                    </a:ext>
+                  </a:extLst>
+                </a:gridCol>
+                <a:gridCol w="4480561">
+                  <a:extLst>
+                    <a:ext uri="{9D8B030D-6E8A-4147-A177-3AD203B41FA5}">
+                      <a16:colId xmlns:a16="http://schemas.microsoft.com/office/drawing/2014/main" val="20001"/>
+                    </a:ext>
+                  </a:extLst>
+                </a:gridCol>
+              </a:tblGrid>
+              <a:tr h="3993775">
+                <a:tc>
+                  <a:txBody>
+                    <a:bodyPr/>
+                    <a:lstStyle/>
+                    <a:p>
+                      <a:pPr>
+                        <a:buFont typeface="Wingdings" pitchFamily="2" charset="2"/>
+                        <a:buChar char="v"/>
+                      </a:pPr>
+                      <a:r>
+                        <a:rPr lang="en-US" dirty="0" smtClean="0"/>
+                        <a:t>C</a:t>
+                      </a:r>
+                    </a:p>
+                    <a:p>
+                      <a:pPr>
+                        <a:buFont typeface="Wingdings" pitchFamily="2" charset="2"/>
+                        <a:buNone/>
+                      </a:pPr>
+                      <a:r>
+                        <a:rPr lang="en-US" sz="1800" dirty="0" smtClean="0"/>
+                        <a:t>#include &lt;</a:t>
+                      </a:r>
+                      <a:r>
+                        <a:rPr lang="en-US" sz="1800" dirty="0" err="1" smtClean="0"/>
+                        <a:t>stdio.h</a:t>
+                      </a:r>
+                      <a:r>
+                        <a:rPr lang="en-US" sz="1800" dirty="0" smtClean="0"/>
+                        <a:t>&gt; </a:t>
+                      </a:r>
+                    </a:p>
+                    <a:p>
+                      <a:pPr>
+                        <a:buFont typeface="Wingdings" pitchFamily="2" charset="2"/>
+                        <a:buNone/>
+                      </a:pPr>
+                      <a:r>
+                        <a:rPr lang="en-US" sz="1800" dirty="0" smtClean="0"/>
+                        <a:t>void main() { </a:t>
+                      </a:r>
+                    </a:p>
+                    <a:p>
+                      <a:pPr>
+                        <a:buFont typeface="Wingdings" pitchFamily="2" charset="2"/>
+                        <a:buNone/>
+                      </a:pPr>
+                      <a:r>
+                        <a:rPr lang="en-US" sz="1800" dirty="0" err="1" smtClean="0"/>
+                        <a:t>int</a:t>
+                      </a:r>
+                      <a:r>
+                        <a:rPr lang="en-US" sz="1800" dirty="0" smtClean="0"/>
+                        <a:t> age;</a:t>
+                      </a:r>
+                    </a:p>
+                    <a:p>
+                      <a:pPr>
+                        <a:buFont typeface="Wingdings" pitchFamily="2" charset="2"/>
+                        <a:buNone/>
+                      </a:pPr>
+                      <a:r>
+                        <a:rPr lang="en-US" sz="1800" dirty="0" smtClean="0"/>
+                        <a:t>float salary; </a:t>
+                      </a:r>
+                    </a:p>
+                    <a:p>
+                      <a:pPr>
+                        <a:buFont typeface="Wingdings" pitchFamily="2" charset="2"/>
+                        <a:buNone/>
+                      </a:pPr>
+                      <a:r>
+                        <a:rPr lang="en-US" sz="1800" dirty="0" smtClean="0"/>
+                        <a:t>char </a:t>
+                      </a:r>
+                      <a:r>
+                        <a:rPr lang="en-US" sz="1800" dirty="0" err="1" smtClean="0"/>
+                        <a:t>middle_initial</a:t>
+                      </a:r>
+                      <a:r>
+                        <a:rPr lang="en-US" sz="1800" dirty="0" smtClean="0"/>
+                        <a:t>;</a:t>
+                      </a:r>
+                    </a:p>
+                    <a:p>
+                      <a:pPr>
+                        <a:buFont typeface="Wingdings" pitchFamily="2" charset="2"/>
+                        <a:buNone/>
+                      </a:pPr>
+                      <a:r>
+                        <a:rPr lang="en-US" sz="1800" dirty="0" smtClean="0"/>
+                        <a:t>age = 21; salary = 29521.12; </a:t>
+                      </a:r>
+                    </a:p>
+                    <a:p>
+                      <a:pPr>
+                        <a:buFont typeface="Wingdings" pitchFamily="2" charset="2"/>
+                        <a:buNone/>
+                      </a:pPr>
+                      <a:r>
+                        <a:rPr lang="en-US" sz="1800" dirty="0" err="1" smtClean="0"/>
+                        <a:t>printf</a:t>
+                      </a:r>
+                      <a:r>
+                        <a:rPr lang="en-US" sz="1800" dirty="0" smtClean="0"/>
+                        <a:t>("I am %d years old ", age); </a:t>
+                      </a:r>
+                      <a:r>
+                        <a:rPr lang="en-US" sz="1800" dirty="0" err="1" smtClean="0"/>
+                        <a:t>printf</a:t>
+                      </a:r>
+                      <a:r>
+                        <a:rPr lang="en-US" sz="1800" dirty="0" smtClean="0"/>
+                        <a:t>("I make %8.2f per year " salary);</a:t>
+                      </a:r>
+                    </a:p>
+                    <a:p>
+                      <a:pPr>
+                        <a:buFont typeface="Wingdings" pitchFamily="2" charset="2"/>
+                        <a:buNone/>
+                      </a:pPr>
+                      <a:r>
+                        <a:rPr lang="en-US" sz="1800" dirty="0" smtClean="0"/>
+                        <a:t> }</a:t>
+                      </a:r>
+                      <a:endParaRPr lang="en-US" sz="1800" b="0" dirty="0">
+                        <a:solidFill>
+                          <a:schemeClr val="tx1">
+                            <a:lumMod val="95000"/>
+                            <a:lumOff val="5000"/>
+                          </a:schemeClr>
+                        </a:solidFill>
+                      </a:endParaRPr>
+                    </a:p>
+                  </a:txBody>
+                  <a:tcPr/>
+                </a:tc>
+                <a:tc>
+                  <a:txBody>
+                    <a:bodyPr/>
+                    <a:lstStyle/>
+                    <a:p>
+                      <a:pPr>
+                        <a:buFont typeface="Wingdings" pitchFamily="2" charset="2"/>
+                        <a:buChar char="v"/>
+                      </a:pPr>
+                      <a:r>
+                        <a:rPr lang="en-US" dirty="0" smtClean="0"/>
+                        <a:t>Java</a:t>
+                      </a:r>
+                    </a:p>
+                    <a:p>
+                      <a:pPr>
+                        <a:buFont typeface="Wingdings" pitchFamily="2" charset="2"/>
+                        <a:buNone/>
+                      </a:pPr>
+                      <a:r>
+                        <a:rPr lang="en-US" dirty="0" smtClean="0"/>
+                        <a:t>class </a:t>
+                      </a:r>
+                      <a:r>
+                        <a:rPr lang="en-US" dirty="0" err="1" smtClean="0"/>
+                        <a:t>myexample</a:t>
+                      </a:r>
+                      <a:r>
+                        <a:rPr lang="en-US" dirty="0" smtClean="0"/>
+                        <a:t> { </a:t>
+                      </a:r>
+                    </a:p>
+                    <a:p>
+                      <a:pPr>
+                        <a:buFont typeface="Wingdings" pitchFamily="2" charset="2"/>
+                        <a:buNone/>
+                      </a:pPr>
+                      <a:r>
+                        <a:rPr lang="en-US" dirty="0" smtClean="0"/>
+                        <a:t>public static void main (String </a:t>
+                      </a:r>
+                      <a:r>
+                        <a:rPr lang="en-US" dirty="0" err="1" smtClean="0"/>
+                        <a:t>args</a:t>
+                      </a:r>
+                      <a:r>
+                        <a:rPr lang="en-US" dirty="0" smtClean="0"/>
+                        <a:t> []) { </a:t>
+                      </a:r>
+                    </a:p>
+                    <a:p>
+                      <a:pPr>
+                        <a:buFont typeface="Wingdings" pitchFamily="2" charset="2"/>
+                        <a:buNone/>
+                      </a:pPr>
+                      <a:r>
+                        <a:rPr lang="en-US" dirty="0" err="1" smtClean="0"/>
+                        <a:t>int</a:t>
+                      </a:r>
+                      <a:r>
+                        <a:rPr lang="en-US" dirty="0" smtClean="0"/>
+                        <a:t> age;</a:t>
+                      </a:r>
+                    </a:p>
+                    <a:p>
+                      <a:pPr>
+                        <a:buFont typeface="Wingdings" pitchFamily="2" charset="2"/>
+                        <a:buNone/>
+                      </a:pPr>
+                      <a:r>
+                        <a:rPr lang="en-US" dirty="0" smtClean="0"/>
+                        <a:t>double salary; </a:t>
+                      </a:r>
+                    </a:p>
+                    <a:p>
+                      <a:pPr>
+                        <a:buFont typeface="Wingdings" pitchFamily="2" charset="2"/>
+                        <a:buNone/>
+                      </a:pPr>
+                      <a:r>
+                        <a:rPr lang="en-US" dirty="0" smtClean="0"/>
+                        <a:t>age = 21; </a:t>
+                      </a:r>
+                    </a:p>
+                    <a:p>
+                      <a:pPr>
+                        <a:buFont typeface="Wingdings" pitchFamily="2" charset="2"/>
+                        <a:buNone/>
+                      </a:pPr>
+                      <a:r>
+                        <a:rPr lang="en-US" dirty="0" smtClean="0"/>
+                        <a:t>salary = 29521.12; </a:t>
+                      </a:r>
+                    </a:p>
+                    <a:p>
+                      <a:pPr>
+                        <a:buFont typeface="Wingdings" pitchFamily="2" charset="2"/>
+                        <a:buNone/>
+                      </a:pPr>
+                      <a:r>
+                        <a:rPr lang="en-US" dirty="0" err="1" smtClean="0"/>
+                        <a:t>System.out.println</a:t>
+                      </a:r>
+                      <a:r>
+                        <a:rPr lang="en-US" dirty="0" smtClean="0"/>
+                        <a:t> ("I am " + age + " years old "); </a:t>
+                      </a:r>
+                    </a:p>
+                    <a:p>
+                      <a:pPr>
+                        <a:buFont typeface="Wingdings" pitchFamily="2" charset="2"/>
+                        <a:buNone/>
+                      </a:pPr>
+                      <a:r>
+                        <a:rPr lang="en-US" dirty="0" err="1" smtClean="0"/>
+                        <a:t>System.out.println</a:t>
+                      </a:r>
+                      <a:r>
+                        <a:rPr lang="en-US" dirty="0" smtClean="0"/>
+                        <a:t> ("I make " + salary + " per year");</a:t>
+                      </a:r>
+                    </a:p>
+                    <a:p>
+                      <a:pPr>
+                        <a:buFont typeface="Wingdings" pitchFamily="2" charset="2"/>
+                        <a:buNone/>
+                      </a:pPr>
+                      <a:r>
+                        <a:rPr lang="en-US" dirty="0" smtClean="0"/>
+                        <a:t>}</a:t>
+                      </a:r>
+                    </a:p>
+                    <a:p>
+                      <a:pPr>
+                        <a:buFont typeface="Wingdings" pitchFamily="2" charset="2"/>
+                        <a:buNone/>
+                      </a:pPr>
+                      <a:endParaRPr lang="en-US" b="0" dirty="0">
+                        <a:solidFill>
+                          <a:schemeClr val="tx1">
+                            <a:lumMod val="95000"/>
+                            <a:lumOff val="5000"/>
+                          </a:schemeClr>
+                        </a:solidFill>
+                      </a:endParaRPr>
+                    </a:p>
+                  </a:txBody>
+                  <a:tcPr/>
+                </a:tc>
+                <a:extLst>
+                  <a:ext uri="{0D108BD9-81ED-4DB2-BD59-A6C34878D82A}">
+                    <a16:rowId xmlns:a16="http://schemas.microsoft.com/office/drawing/2014/main" val="10000"/>
+                  </a:ext>
+                </a:extLst>
+              </a:tr>
+            </a:tbl>
+          </a:graphicData>
+        </a:graphic>
+      </p:graphicFrame>
+    </p:spTree>
+    <p:extLst>
+      <p:ext uri="{BB962C8B-B14F-4D97-AF65-F5344CB8AC3E}">
+        <p14:creationId xmlns:p14="http://schemas.microsoft.com/office/powerpoint/2010/main" val="2915492318"/>
+      </p:ext>
+    </p:extLst>
+  </p:cSld>
+  <p:clrMapOvr>
+    <a:masterClrMapping/>
+  </p:clrMapOvr>
+  <p:timing>
+    <p:tnLst>
+      <p:par>
+        <p:cTn id="1" dur="indefinite" restart="never" nodeType="tmRoot"/>
+      </p:par>
+    </p:tnLst>
+  </p:timing>
+</p:sld>
+</file>
+
+<file path=ppt/slides/slide15.xml><?xml version="1.0" encoding="utf-8"?>
+<p:sld xmlns:a="http://schemas.openxmlformats.org/drawingml/2006/main" xmlns:r="http://schemas.openxmlformats.org/officeDocument/2006/relationships" xmlns:p="http://schemas.openxmlformats.org/presentationml/2006/main">
+  <p:cSld>
+    <p:spTree>
+      <p:nvGrpSpPr>
+        <p:cNvPr id="1" name=""/>
+        <p:cNvGrpSpPr/>
+        <p:nvPr/>
+      </p:nvGrpSpPr>
+      <p:grpSpPr>
+        <a:xfrm>
+          <a:off x="0" y="0"/>
+          <a:ext cx="0" cy="0"/>
+          <a:chOff x="0" y="0"/>
+          <a:chExt cx="0" cy="0"/>
+        </a:xfrm>
+      </p:grpSpPr>
+      <p:sp>
+        <p:nvSpPr>
+          <p:cNvPr id="2" name="Title 1"/>
+          <p:cNvSpPr>
+            <a:spLocks noGrp="1"/>
+          </p:cNvSpPr>
+          <p:nvPr>
+            <p:ph type="title"/>
+          </p:nvPr>
+        </p:nvSpPr>
+        <p:spPr/>
+        <p:txBody>
+          <a:bodyPr/>
+          <a:lstStyle/>
+          <a:p>
+            <a:r>
+              <a:rPr lang="en-US" dirty="0" smtClean="0"/>
+              <a:t>Boolean Logic and Boolean Algebra</a:t>
+            </a:r>
+            <a:endParaRPr lang="en-US" dirty="0"/>
+          </a:p>
+        </p:txBody>
+      </p:sp>
+      <p:sp>
+        <p:nvSpPr>
+          <p:cNvPr id="3" name="Content Placeholder 2"/>
+          <p:cNvSpPr>
+            <a:spLocks noGrp="1"/>
+          </p:cNvSpPr>
+          <p:nvPr>
+            <p:ph idx="1"/>
+          </p:nvPr>
+        </p:nvSpPr>
+        <p:spPr/>
+        <p:txBody>
+          <a:bodyPr/>
+          <a:lstStyle/>
+          <a:p>
+            <a:r>
+              <a:rPr lang="en-US" sz="2800" dirty="0"/>
+              <a:t>Boolean Algebra was invented by nineteenth century mathematician George Boole.</a:t>
+            </a:r>
+          </a:p>
+          <a:p>
+            <a:r>
+              <a:rPr lang="en-US" sz="2800" dirty="0"/>
+              <a:t>Only two answers are possible for Boolean Algebra : True or False.</a:t>
+            </a:r>
+          </a:p>
+          <a:p>
+            <a:r>
+              <a:rPr lang="en-US" sz="2800" dirty="0"/>
+              <a:t>Boolean logic is called a </a:t>
+            </a:r>
+            <a:r>
+              <a:rPr lang="en-US" sz="2800" i="1" dirty="0"/>
+              <a:t>Two Valued Logic</a:t>
+            </a:r>
+            <a:r>
+              <a:rPr lang="en-US" sz="2800" dirty="0"/>
+              <a:t> because an expression may only take on one of two values: True or False. </a:t>
+            </a:r>
+          </a:p>
+          <a:p>
+            <a:r>
+              <a:rPr lang="en-US" sz="2800" dirty="0"/>
+              <a:t>An expression is some collection of logical operands and logical operators that are combined together.</a:t>
+            </a:r>
+          </a:p>
+        </p:txBody>
+      </p:sp>
+    </p:spTree>
+    <p:extLst>
+      <p:ext uri="{BB962C8B-B14F-4D97-AF65-F5344CB8AC3E}">
+        <p14:creationId xmlns:p14="http://schemas.microsoft.com/office/powerpoint/2010/main" val="987413682"/>
+      </p:ext>
+    </p:extLst>
+  </p:cSld>
+  <p:clrMapOvr>
+    <a:masterClrMapping/>
+  </p:clrMapOvr>
+  <p:timing>
+    <p:tnLst>
+      <p:par>
+        <p:cTn id="1" dur="indefinite" restart="never" nodeType="tmRoot"/>
+      </p:par>
+    </p:tnLst>
+  </p:timing>
+</p:sld>
+</file>
+
+<file path=ppt/slides/slide16.xml><?xml version="1.0" encoding="utf-8"?>
+<p:sld xmlns:a="http://schemas.openxmlformats.org/drawingml/2006/main" xmlns:r="http://schemas.openxmlformats.org/officeDocument/2006/relationships" xmlns:p="http://schemas.openxmlformats.org/presentationml/2006/main">
+  <p:cSld>
+    <p:spTree>
+      <p:nvGrpSpPr>
+        <p:cNvPr id="1" name=""/>
+        <p:cNvGrpSpPr/>
+        <p:nvPr/>
+      </p:nvGrpSpPr>
+      <p:grpSpPr>
+        <a:xfrm>
+          <a:off x="0" y="0"/>
+          <a:ext cx="0" cy="0"/>
+          <a:chOff x="0" y="0"/>
+          <a:chExt cx="0" cy="0"/>
+        </a:xfrm>
+      </p:grpSpPr>
+      <p:sp>
+        <p:nvSpPr>
+          <p:cNvPr id="2" name="Title 1"/>
+          <p:cNvSpPr>
+            <a:spLocks noGrp="1"/>
+          </p:cNvSpPr>
+          <p:nvPr>
+            <p:ph type="title"/>
+          </p:nvPr>
+        </p:nvSpPr>
+        <p:spPr/>
+        <p:txBody>
+          <a:bodyPr/>
+          <a:lstStyle/>
+          <a:p>
+            <a:r>
+              <a:rPr lang="en-US" dirty="0" smtClean="0"/>
+              <a:t>Continue…</a:t>
+            </a:r>
+            <a:endParaRPr lang="en-US" dirty="0"/>
+          </a:p>
+        </p:txBody>
+      </p:sp>
+      <p:sp>
+        <p:nvSpPr>
+          <p:cNvPr id="3" name="Content Placeholder 2"/>
+          <p:cNvSpPr>
+            <a:spLocks noGrp="1"/>
+          </p:cNvSpPr>
+          <p:nvPr>
+            <p:ph idx="1"/>
+          </p:nvPr>
+        </p:nvSpPr>
+        <p:spPr>
+          <a:xfrm>
+            <a:off x="2209800" y="1981200"/>
+            <a:ext cx="8458200" cy="4114800"/>
+          </a:xfrm>
+        </p:spPr>
+        <p:txBody>
+          <a:bodyPr/>
+          <a:lstStyle/>
+          <a:p>
+            <a:pPr>
+              <a:buNone/>
+            </a:pPr>
+            <a:r>
+              <a:rPr lang="en-US" sz="2800" dirty="0"/>
+              <a:t>In Arithmetic,</a:t>
+            </a:r>
+          </a:p>
+          <a:p>
+            <a:r>
+              <a:rPr lang="en-US" sz="2800" dirty="0"/>
+              <a:t>Operands: Numbers</a:t>
+            </a:r>
+          </a:p>
+          <a:p>
+            <a:r>
+              <a:rPr lang="en-US" sz="2800" dirty="0"/>
+              <a:t>Operators: Addition, Subtraction, Multiplication and Division</a:t>
+            </a:r>
+          </a:p>
+          <a:p>
+            <a:pPr>
+              <a:buNone/>
+            </a:pPr>
+            <a:r>
+              <a:rPr lang="en-US" sz="2800" dirty="0"/>
+              <a:t>In Boolean Logic,</a:t>
+            </a:r>
+          </a:p>
+          <a:p>
+            <a:r>
+              <a:rPr lang="en-US" sz="2800" dirty="0"/>
+              <a:t>Operands: Statements</a:t>
+            </a:r>
+          </a:p>
+          <a:p>
+            <a:r>
+              <a:rPr lang="en-US" sz="2800" dirty="0"/>
+              <a:t>Operators: Logical AND , OR and NOT</a:t>
+            </a:r>
+          </a:p>
+          <a:p>
+            <a:endParaRPr lang="en-US" dirty="0"/>
+          </a:p>
+        </p:txBody>
+      </p:sp>
+    </p:spTree>
+    <p:extLst>
+      <p:ext uri="{BB962C8B-B14F-4D97-AF65-F5344CB8AC3E}">
+        <p14:creationId xmlns:p14="http://schemas.microsoft.com/office/powerpoint/2010/main" val="2988584164"/>
+      </p:ext>
+    </p:extLst>
+  </p:cSld>
+  <p:clrMapOvr>
+    <a:masterClrMapping/>
+  </p:clrMapOvr>
+  <p:timing>
+    <p:tnLst>
+      <p:par>
+        <p:cTn id="1" dur="indefinite" restart="never" nodeType="tmRoot"/>
+      </p:par>
+    </p:tnLst>
+  </p:timing>
+</p:sld>
+</file>
+
+<file path=ppt/slides/slide17.xml><?xml version="1.0" encoding="utf-8"?>
+<p:sld xmlns:a="http://schemas.openxmlformats.org/drawingml/2006/main" xmlns:r="http://schemas.openxmlformats.org/officeDocument/2006/relationships" xmlns:p="http://schemas.openxmlformats.org/presentationml/2006/main">
+  <p:cSld>
+    <p:spTree>
+      <p:nvGrpSpPr>
+        <p:cNvPr id="1" name=""/>
+        <p:cNvGrpSpPr/>
+        <p:nvPr/>
+      </p:nvGrpSpPr>
+      <p:grpSpPr>
+        <a:xfrm>
+          <a:off x="0" y="0"/>
+          <a:ext cx="0" cy="0"/>
+          <a:chOff x="0" y="0"/>
+          <a:chExt cx="0" cy="0"/>
+        </a:xfrm>
+      </p:grpSpPr>
+      <p:sp>
+        <p:nvSpPr>
+          <p:cNvPr id="2" name="Title 1"/>
+          <p:cNvSpPr>
+            <a:spLocks noGrp="1"/>
+          </p:cNvSpPr>
+          <p:nvPr>
+            <p:ph type="title"/>
+          </p:nvPr>
+        </p:nvSpPr>
+        <p:spPr/>
+        <p:txBody>
+          <a:bodyPr/>
+          <a:lstStyle/>
+          <a:p>
+            <a:r>
+              <a:rPr lang="en-US" dirty="0" smtClean="0"/>
+              <a:t>Boolean Operator</a:t>
+            </a:r>
+            <a:endParaRPr lang="en-US" dirty="0"/>
+          </a:p>
+        </p:txBody>
+      </p:sp>
+      <p:sp>
+        <p:nvSpPr>
+          <p:cNvPr id="3" name="Content Placeholder 2"/>
+          <p:cNvSpPr>
+            <a:spLocks noGrp="1"/>
+          </p:cNvSpPr>
+          <p:nvPr>
+            <p:ph idx="1"/>
+          </p:nvPr>
+        </p:nvSpPr>
+        <p:spPr/>
+        <p:txBody>
+          <a:bodyPr/>
+          <a:lstStyle/>
+          <a:p>
+            <a:r>
+              <a:rPr lang="en-US" sz="2800" dirty="0"/>
+              <a:t>There are three Boolean Operators : AND , OR and NOT. These operators are written differently depending on the language being used.</a:t>
+            </a:r>
+          </a:p>
+          <a:p>
+            <a:pPr>
+              <a:buNone/>
+            </a:pPr>
+            <a:endParaRPr lang="en-US" sz="2800" dirty="0"/>
+          </a:p>
+        </p:txBody>
+      </p:sp>
+      <p:graphicFrame>
+        <p:nvGraphicFramePr>
+          <p:cNvPr id="4" name="Table 3"/>
+          <p:cNvGraphicFramePr>
+            <a:graphicFrameLocks noGrp="1"/>
+          </p:cNvGraphicFramePr>
+          <p:nvPr/>
+        </p:nvGraphicFramePr>
+        <p:xfrm>
+          <a:off x="2514600" y="3581400"/>
+          <a:ext cx="6858000" cy="2830830"/>
+        </p:xfrm>
+        <a:graphic>
+          <a:graphicData uri="http://schemas.openxmlformats.org/drawingml/2006/table">
+            <a:tbl>
+              <a:tblPr firstRow="1" bandRow="1">
+                <a:tableStyleId>{5C22544A-7EE6-4342-B048-85BDC9FD1C3A}</a:tableStyleId>
+              </a:tblPr>
+              <a:tblGrid>
+                <a:gridCol w="1714500">
+                  <a:extLst>
+                    <a:ext uri="{9D8B030D-6E8A-4147-A177-3AD203B41FA5}">
+                      <a16:colId xmlns:a16="http://schemas.microsoft.com/office/drawing/2014/main" val="20000"/>
+                    </a:ext>
+                  </a:extLst>
+                </a:gridCol>
+                <a:gridCol w="1714500">
+                  <a:extLst>
+                    <a:ext uri="{9D8B030D-6E8A-4147-A177-3AD203B41FA5}">
+                      <a16:colId xmlns:a16="http://schemas.microsoft.com/office/drawing/2014/main" val="20001"/>
+                    </a:ext>
+                  </a:extLst>
+                </a:gridCol>
+                <a:gridCol w="1714500">
+                  <a:extLst>
+                    <a:ext uri="{9D8B030D-6E8A-4147-A177-3AD203B41FA5}">
+                      <a16:colId xmlns:a16="http://schemas.microsoft.com/office/drawing/2014/main" val="20002"/>
+                    </a:ext>
+                  </a:extLst>
+                </a:gridCol>
+                <a:gridCol w="1714500">
+                  <a:extLst>
+                    <a:ext uri="{9D8B030D-6E8A-4147-A177-3AD203B41FA5}">
+                      <a16:colId xmlns:a16="http://schemas.microsoft.com/office/drawing/2014/main" val="20003"/>
+                    </a:ext>
+                  </a:extLst>
+                </a:gridCol>
+              </a:tblGrid>
+              <a:tr h="628650">
+                <a:tc>
+                  <a:txBody>
+                    <a:bodyPr/>
+                    <a:lstStyle/>
+                    <a:p>
+                      <a:pPr algn="ctr"/>
+                      <a:r>
+                        <a:rPr lang="en-US" sz="2800" dirty="0" smtClean="0"/>
+                        <a:t>Language</a:t>
+                      </a:r>
+                      <a:endParaRPr lang="en-US" sz="2800" dirty="0"/>
+                    </a:p>
+                  </a:txBody>
+                  <a:tcPr/>
+                </a:tc>
+                <a:tc>
+                  <a:txBody>
+                    <a:bodyPr/>
+                    <a:lstStyle/>
+                    <a:p>
+                      <a:pPr algn="ctr"/>
+                      <a:r>
+                        <a:rPr lang="en-US" sz="2800" dirty="0" smtClean="0"/>
+                        <a:t>AND</a:t>
+                      </a:r>
+                      <a:endParaRPr lang="en-US" sz="2800" dirty="0"/>
+                    </a:p>
+                  </a:txBody>
+                  <a:tcPr/>
+                </a:tc>
+                <a:tc>
+                  <a:txBody>
+                    <a:bodyPr/>
+                    <a:lstStyle/>
+                    <a:p>
+                      <a:pPr algn="ctr"/>
+                      <a:r>
+                        <a:rPr lang="en-US" sz="2800" dirty="0" smtClean="0"/>
+                        <a:t>OR</a:t>
+                      </a:r>
+                      <a:endParaRPr lang="en-US" sz="2800" dirty="0"/>
+                    </a:p>
+                  </a:txBody>
+                  <a:tcPr/>
+                </a:tc>
+                <a:tc>
+                  <a:txBody>
+                    <a:bodyPr/>
+                    <a:lstStyle/>
+                    <a:p>
+                      <a:pPr algn="ctr"/>
+                      <a:r>
+                        <a:rPr lang="en-US" sz="2800" dirty="0" smtClean="0"/>
+                        <a:t>NOT</a:t>
+                      </a:r>
+                      <a:endParaRPr lang="en-US" sz="2800" dirty="0"/>
+                    </a:p>
+                  </a:txBody>
+                  <a:tcPr/>
+                </a:tc>
+                <a:extLst>
+                  <a:ext uri="{0D108BD9-81ED-4DB2-BD59-A6C34878D82A}">
+                    <a16:rowId xmlns:a16="http://schemas.microsoft.com/office/drawing/2014/main" val="10000"/>
+                  </a:ext>
+                </a:extLst>
+              </a:tr>
+              <a:tr h="628650">
+                <a:tc>
+                  <a:txBody>
+                    <a:bodyPr/>
+                    <a:lstStyle/>
+                    <a:p>
+                      <a:pPr algn="ctr"/>
+                      <a:r>
+                        <a:rPr lang="en-US" sz="2800" dirty="0" smtClean="0"/>
+                        <a:t>C</a:t>
+                      </a:r>
+                      <a:r>
+                        <a:rPr lang="en-US" sz="2800" baseline="0" dirty="0" smtClean="0"/>
+                        <a:t> or C++</a:t>
+                      </a:r>
+                      <a:endParaRPr lang="en-US" sz="2800" dirty="0"/>
+                    </a:p>
+                  </a:txBody>
+                  <a:tcPr/>
+                </a:tc>
+                <a:tc>
+                  <a:txBody>
+                    <a:bodyPr/>
+                    <a:lstStyle/>
+                    <a:p>
+                      <a:pPr algn="ctr"/>
+                      <a:r>
+                        <a:rPr lang="en-US" sz="2800" dirty="0" smtClean="0"/>
+                        <a:t>&amp;&amp;</a:t>
+                      </a:r>
+                      <a:endParaRPr lang="en-US" sz="2800" dirty="0"/>
+                    </a:p>
+                  </a:txBody>
+                  <a:tcPr/>
+                </a:tc>
+                <a:tc>
+                  <a:txBody>
+                    <a:bodyPr/>
+                    <a:lstStyle/>
+                    <a:p>
+                      <a:pPr algn="ctr"/>
+                      <a:r>
+                        <a:rPr lang="en-US" sz="2800" dirty="0" smtClean="0"/>
+                        <a:t>||</a:t>
+                      </a:r>
+                      <a:endParaRPr lang="en-US" sz="2800" dirty="0"/>
+                    </a:p>
+                  </a:txBody>
+                  <a:tcPr/>
+                </a:tc>
+                <a:tc>
+                  <a:txBody>
+                    <a:bodyPr/>
+                    <a:lstStyle/>
+                    <a:p>
+                      <a:pPr algn="ctr"/>
+                      <a:r>
+                        <a:rPr lang="en-US" sz="2800" dirty="0" smtClean="0"/>
+                        <a:t>!</a:t>
+                      </a:r>
+                      <a:endParaRPr lang="en-US" sz="2800" dirty="0"/>
+                    </a:p>
+                  </a:txBody>
+                  <a:tcPr/>
+                </a:tc>
+                <a:extLst>
+                  <a:ext uri="{0D108BD9-81ED-4DB2-BD59-A6C34878D82A}">
+                    <a16:rowId xmlns:a16="http://schemas.microsoft.com/office/drawing/2014/main" val="10001"/>
+                  </a:ext>
+                </a:extLst>
+              </a:tr>
+              <a:tr h="628650">
+                <a:tc>
+                  <a:txBody>
+                    <a:bodyPr/>
+                    <a:lstStyle/>
+                    <a:p>
+                      <a:pPr algn="ctr"/>
+                      <a:r>
+                        <a:rPr lang="en-US" sz="2800" dirty="0" smtClean="0"/>
+                        <a:t>Java</a:t>
+                      </a:r>
+                      <a:endParaRPr lang="en-US" sz="2800" dirty="0"/>
+                    </a:p>
+                  </a:txBody>
+                  <a:tcPr/>
+                </a:tc>
+                <a:tc>
+                  <a:txBody>
+                    <a:bodyPr/>
+                    <a:lstStyle/>
+                    <a:p>
+                      <a:pPr algn="ctr"/>
+                      <a:r>
+                        <a:rPr lang="en-US" sz="2800" dirty="0" smtClean="0"/>
+                        <a:t>&amp;</a:t>
+                      </a:r>
+                      <a:endParaRPr lang="en-US" sz="2800" dirty="0"/>
+                    </a:p>
+                  </a:txBody>
+                  <a:tcPr/>
+                </a:tc>
+                <a:tc>
+                  <a:txBody>
+                    <a:bodyPr/>
+                    <a:lstStyle/>
+                    <a:p>
+                      <a:pPr algn="ctr"/>
+                      <a:r>
+                        <a:rPr lang="en-US" sz="2800" dirty="0" smtClean="0"/>
+                        <a:t>||</a:t>
+                      </a:r>
+                      <a:endParaRPr lang="en-US" sz="2800" dirty="0"/>
+                    </a:p>
+                  </a:txBody>
+                  <a:tcPr/>
+                </a:tc>
+                <a:tc>
+                  <a:txBody>
+                    <a:bodyPr/>
+                    <a:lstStyle/>
+                    <a:p>
+                      <a:pPr algn="ctr"/>
+                      <a:r>
+                        <a:rPr lang="en-US" sz="2800" dirty="0" smtClean="0"/>
+                        <a:t>!</a:t>
+                      </a:r>
+                      <a:endParaRPr lang="en-US" sz="2800" dirty="0"/>
+                    </a:p>
+                  </a:txBody>
+                  <a:tcPr/>
+                </a:tc>
+                <a:extLst>
+                  <a:ext uri="{0D108BD9-81ED-4DB2-BD59-A6C34878D82A}">
+                    <a16:rowId xmlns:a16="http://schemas.microsoft.com/office/drawing/2014/main" val="10002"/>
+                  </a:ext>
+                </a:extLst>
+              </a:tr>
+              <a:tr h="628650">
+                <a:tc>
+                  <a:txBody>
+                    <a:bodyPr/>
+                    <a:lstStyle/>
+                    <a:p>
+                      <a:pPr algn="ctr"/>
+                      <a:r>
+                        <a:rPr lang="en-US" sz="2800" dirty="0" smtClean="0"/>
+                        <a:t>Basic</a:t>
+                      </a:r>
+                      <a:endParaRPr lang="en-US" sz="2800" dirty="0"/>
+                    </a:p>
+                  </a:txBody>
+                  <a:tcPr/>
+                </a:tc>
+                <a:tc>
+                  <a:txBody>
+                    <a:bodyPr/>
+                    <a:lstStyle/>
+                    <a:p>
+                      <a:pPr algn="ctr"/>
+                      <a:r>
+                        <a:rPr lang="en-US" sz="2800" dirty="0" smtClean="0"/>
+                        <a:t>AND</a:t>
+                      </a:r>
+                      <a:endParaRPr lang="en-US" sz="2800" dirty="0"/>
+                    </a:p>
+                  </a:txBody>
+                  <a:tcPr/>
+                </a:tc>
+                <a:tc>
+                  <a:txBody>
+                    <a:bodyPr/>
+                    <a:lstStyle/>
+                    <a:p>
+                      <a:pPr algn="ctr"/>
+                      <a:r>
+                        <a:rPr lang="en-US" sz="2800" dirty="0" smtClean="0"/>
+                        <a:t>OR</a:t>
+                      </a:r>
+                      <a:endParaRPr lang="en-US" sz="2800" dirty="0"/>
+                    </a:p>
+                  </a:txBody>
+                  <a:tcPr/>
+                </a:tc>
+                <a:tc>
+                  <a:txBody>
+                    <a:bodyPr/>
+                    <a:lstStyle/>
+                    <a:p>
+                      <a:pPr algn="ctr"/>
+                      <a:r>
+                        <a:rPr lang="en-US" sz="2800" dirty="0" smtClean="0"/>
+                        <a:t>NOT</a:t>
+                      </a:r>
+                      <a:endParaRPr lang="en-US" sz="2800" dirty="0"/>
+                    </a:p>
+                  </a:txBody>
+                  <a:tcPr/>
+                </a:tc>
+                <a:extLst>
+                  <a:ext uri="{0D108BD9-81ED-4DB2-BD59-A6C34878D82A}">
+                    <a16:rowId xmlns:a16="http://schemas.microsoft.com/office/drawing/2014/main" val="10003"/>
+                  </a:ext>
+                </a:extLst>
+              </a:tr>
+            </a:tbl>
+          </a:graphicData>
+        </a:graphic>
+      </p:graphicFrame>
+    </p:spTree>
+    <p:extLst>
+      <p:ext uri="{BB962C8B-B14F-4D97-AF65-F5344CB8AC3E}">
+        <p14:creationId xmlns:p14="http://schemas.microsoft.com/office/powerpoint/2010/main" val="1642608522"/>
+      </p:ext>
+    </p:extLst>
+  </p:cSld>
+  <p:clrMapOvr>
+    <a:masterClrMapping/>
+  </p:clrMapOvr>
+  <p:timing>
+    <p:tnLst>
+      <p:par>
+        <p:cTn id="1" dur="indefinite" restart="never" nodeType="tmRoot"/>
+      </p:par>
+    </p:tnLst>
+  </p:timing>
+</p:sld>
+</file>
+
+<file path=ppt/slides/slide18.xml><?xml version="1.0" encoding="utf-8"?>
+<p:sld xmlns:a="http://schemas.openxmlformats.org/drawingml/2006/main" xmlns:r="http://schemas.openxmlformats.org/officeDocument/2006/relationships" xmlns:p="http://schemas.openxmlformats.org/presentationml/2006/main">
+  <p:cSld>
+    <p:spTree>
+      <p:nvGrpSpPr>
+        <p:cNvPr id="1" name=""/>
+        <p:cNvGrpSpPr/>
+        <p:nvPr/>
+      </p:nvGrpSpPr>
+      <p:grpSpPr>
+        <a:xfrm>
+          <a:off x="0" y="0"/>
+          <a:ext cx="0" cy="0"/>
+          <a:chOff x="0" y="0"/>
+          <a:chExt cx="0" cy="0"/>
+        </a:xfrm>
+      </p:grpSpPr>
+      <p:sp>
+        <p:nvSpPr>
+          <p:cNvPr id="2" name="Title 1"/>
+          <p:cNvSpPr>
+            <a:spLocks noGrp="1"/>
+          </p:cNvSpPr>
+          <p:nvPr>
+            <p:ph type="title"/>
+          </p:nvPr>
+        </p:nvSpPr>
+        <p:spPr/>
+        <p:txBody>
+          <a:bodyPr/>
+          <a:lstStyle/>
+          <a:p>
+            <a:r>
+              <a:rPr lang="en-US" dirty="0" smtClean="0"/>
+              <a:t>Continue…</a:t>
+            </a:r>
+            <a:endParaRPr lang="en-US" dirty="0"/>
+          </a:p>
+        </p:txBody>
+      </p:sp>
+      <p:sp>
+        <p:nvSpPr>
+          <p:cNvPr id="3" name="Content Placeholder 2"/>
+          <p:cNvSpPr>
+            <a:spLocks noGrp="1"/>
+          </p:cNvSpPr>
+          <p:nvPr>
+            <p:ph idx="1"/>
+          </p:nvPr>
+        </p:nvSpPr>
+        <p:spPr/>
+        <p:txBody>
+          <a:bodyPr/>
+          <a:lstStyle/>
+          <a:p>
+            <a:r>
+              <a:rPr lang="en-US" sz="2800" dirty="0"/>
+              <a:t>The Boolean operators are evaluated in the following fashion.</a:t>
+            </a:r>
+          </a:p>
+          <a:p>
+            <a:r>
+              <a:rPr lang="en-US" sz="2800" dirty="0"/>
+              <a:t> For the AND operator, the combination of two “True” values results in “True” all other combinations evaluate to False. </a:t>
+            </a:r>
+          </a:p>
+          <a:p>
+            <a:r>
+              <a:rPr lang="en-US" sz="2800" dirty="0"/>
+              <a:t>For the OR operator, as long as one of the value is True, then the expression evaluates to True.</a:t>
+            </a:r>
+          </a:p>
+          <a:p>
+            <a:r>
+              <a:rPr lang="en-US" sz="2800" dirty="0"/>
+              <a:t>The NOT operator is called the “complimentary” operator. It reverses the truth value of the operand.</a:t>
+            </a:r>
+          </a:p>
+        </p:txBody>
+      </p:sp>
+    </p:spTree>
+    <p:extLst>
+      <p:ext uri="{BB962C8B-B14F-4D97-AF65-F5344CB8AC3E}">
+        <p14:creationId xmlns:p14="http://schemas.microsoft.com/office/powerpoint/2010/main" val="3275440476"/>
+      </p:ext>
+    </p:extLst>
+  </p:cSld>
+  <p:clrMapOvr>
+    <a:masterClrMapping/>
+  </p:clrMapOvr>
+  <p:timing>
+    <p:tnLst>
+      <p:par>
+        <p:cTn id="1" dur="indefinite" restart="never" nodeType="tmRoot"/>
+      </p:par>
+    </p:tnLst>
+  </p:timing>
+</p:sld>
+</file>
+
+<file path=ppt/slides/slide19.xml><?xml version="1.0" encoding="utf-8"?>
+<p:sld xmlns:a="http://schemas.openxmlformats.org/drawingml/2006/main" xmlns:r="http://schemas.openxmlformats.org/officeDocument/2006/relationships" xmlns:p="http://schemas.openxmlformats.org/presentationml/2006/main">
+  <p:cSld>
+    <p:spTree>
+      <p:nvGrpSpPr>
+        <p:cNvPr id="1" name=""/>
+        <p:cNvGrpSpPr/>
+        <p:nvPr/>
+      </p:nvGrpSpPr>
+      <p:grpSpPr>
+        <a:xfrm>
+          <a:off x="0" y="0"/>
+          <a:ext cx="0" cy="0"/>
+          <a:chOff x="0" y="0"/>
+          <a:chExt cx="0" cy="0"/>
+        </a:xfrm>
+      </p:grpSpPr>
+      <p:sp>
+        <p:nvSpPr>
+          <p:cNvPr id="2" name="Title 1"/>
+          <p:cNvSpPr>
+            <a:spLocks noGrp="1"/>
+          </p:cNvSpPr>
+          <p:nvPr>
+            <p:ph type="title"/>
+          </p:nvPr>
+        </p:nvSpPr>
+        <p:spPr/>
+        <p:txBody>
+          <a:bodyPr/>
+          <a:lstStyle/>
+          <a:p>
+            <a:r>
+              <a:rPr lang="en-US" dirty="0" smtClean="0"/>
+              <a:t>Comparison Operators</a:t>
+            </a:r>
+            <a:endParaRPr lang="en-US" dirty="0"/>
+          </a:p>
+        </p:txBody>
+      </p:sp>
+      <p:sp>
+        <p:nvSpPr>
+          <p:cNvPr id="3" name="Content Placeholder 2"/>
+          <p:cNvSpPr>
+            <a:spLocks noGrp="1"/>
+          </p:cNvSpPr>
+          <p:nvPr>
+            <p:ph idx="1"/>
+          </p:nvPr>
+        </p:nvSpPr>
+        <p:spPr/>
+        <p:txBody>
+          <a:bodyPr/>
+          <a:lstStyle/>
+          <a:p>
+            <a:r>
+              <a:rPr lang="en-US" dirty="0" smtClean="0"/>
+              <a:t>Boolean expressions often involve comparison operators that can be evaluated to determine if they are True or False.</a:t>
+            </a:r>
+          </a:p>
+          <a:p>
+            <a:r>
+              <a:rPr lang="en-US" dirty="0" smtClean="0"/>
+              <a:t>Comparison Operators include:</a:t>
+            </a:r>
+          </a:p>
+          <a:p>
+            <a:pPr>
+              <a:buNone/>
+            </a:pPr>
+            <a:r>
+              <a:rPr lang="en-US" dirty="0" smtClean="0"/>
+              <a:t>       = , &lt; , &gt; ,&gt;= , &lt;= , !=</a:t>
+            </a:r>
+          </a:p>
+          <a:p>
+            <a:pPr>
+              <a:buNone/>
+            </a:pPr>
+            <a:endParaRPr lang="en-US" dirty="0"/>
+          </a:p>
+        </p:txBody>
+      </p:sp>
+      <p:pic>
+        <p:nvPicPr>
+          <p:cNvPr id="4" name="Picture 3"/>
+          <p:cNvPicPr>
+            <a:picLocks noChangeAspect="1"/>
+          </p:cNvPicPr>
+          <p:nvPr/>
+        </p:nvPicPr>
+        <p:blipFill>
+          <a:blip r:embed="rId2"/>
+          <a:stretch>
+            <a:fillRect/>
+          </a:stretch>
+        </p:blipFill>
+        <p:spPr>
+          <a:xfrm>
+            <a:off x="1456848" y="2984195"/>
+            <a:ext cx="8571719" cy="3194581"/>
+          </a:xfrm>
+          <a:prstGeom prst="rect">
+            <a:avLst/>
+          </a:prstGeom>
+        </p:spPr>
+      </p:pic>
+    </p:spTree>
+    <p:extLst>
+      <p:ext uri="{BB962C8B-B14F-4D97-AF65-F5344CB8AC3E}">
+        <p14:creationId xmlns:p14="http://schemas.microsoft.com/office/powerpoint/2010/main" val="2939302811"/>
+      </p:ext>
+    </p:extLst>
+  </p:cSld>
+  <p:clrMapOvr>
+    <a:masterClrMapping/>
+  </p:clrMapOvr>
+  <p:timing>
+    <p:tnLst>
+      <p:par>
+        <p:cTn id="1" dur="indefinite" restart="never" nodeType="tmRoot"/>
+      </p:par>
+    </p:tnLst>
+  </p:timing>
 </p:sld>
 </file>
 
@@ -3683,21 +5948,33 @@
         </p:nvSpPr>
         <p:spPr>
           <a:xfrm>
-            <a:off x="796066" y="903642"/>
-            <a:ext cx="9983096" cy="5421854"/>
+            <a:off x="796066" y="1021976"/>
+            <a:ext cx="9983096" cy="5013064"/>
           </a:xfrm>
         </p:spPr>
         <p:txBody>
-          <a:bodyPr/>
-          <a:lstStyle/>
+          <a:bodyPr>
+            <a:normAutofit/>
+          </a:bodyPr>
+          <a:lstStyle/>
+          <a:p>
+            <a:r>
+              <a:rPr lang="en-IN" sz="3600" b="1" dirty="0" smtClean="0"/>
+              <a:t>Table of Contents</a:t>
+            </a:r>
+          </a:p>
           <a:p>
             <a:pPr marL="342900" indent="-342900" algn="l">
               <a:buFont typeface="Arial" panose="020B0604020202020204" pitchFamily="34" charset="0"/>
               <a:buChar char="•"/>
             </a:pPr>
             <a:r>
+              <a:rPr lang="en-IN" dirty="0" smtClean="0"/>
+              <a:t>Programming </a:t>
+            </a:r>
+            <a:r>
               <a:rPr lang="en-IN" dirty="0"/>
-              <a:t>Programming concepts </a:t>
+              <a:t>concepts </a:t>
             </a:r>
             <a:endParaRPr lang="en-IN" dirty="0" smtClean="0"/>
           </a:p>
@@ -3822,6 +6099,1068 @@
   <p:clrMapOvr>
     <a:masterClrMapping/>
   </p:clrMapOvr>
+  <p:timing>
+    <p:tnLst>
+      <p:par>
+        <p:cTn id="1" dur="indefinite" restart="never" nodeType="tmRoot"/>
+      </p:par>
+    </p:tnLst>
+  </p:timing>
+</p:sld>
+</file>
+
+<file path=ppt/slides/slide20.xml><?xml version="1.0" encoding="utf-8"?>
+<p:sld xmlns:a="http://schemas.openxmlformats.org/drawingml/2006/main" xmlns:r="http://schemas.openxmlformats.org/officeDocument/2006/relationships" xmlns:p="http://schemas.openxmlformats.org/presentationml/2006/main">
+  <p:cSld>
+    <p:spTree>
+      <p:nvGrpSpPr>
+        <p:cNvPr id="1" name=""/>
+        <p:cNvGrpSpPr/>
+        <p:nvPr/>
+      </p:nvGrpSpPr>
+      <p:grpSpPr>
+        <a:xfrm>
+          <a:off x="0" y="0"/>
+          <a:ext cx="0" cy="0"/>
+          <a:chOff x="0" y="0"/>
+          <a:chExt cx="0" cy="0"/>
+        </a:xfrm>
+      </p:grpSpPr>
+      <p:sp>
+        <p:nvSpPr>
+          <p:cNvPr id="2" name="Title 1"/>
+          <p:cNvSpPr>
+            <a:spLocks noGrp="1"/>
+          </p:cNvSpPr>
+          <p:nvPr>
+            <p:ph type="title"/>
+          </p:nvPr>
+        </p:nvSpPr>
+        <p:spPr/>
+        <p:txBody>
+          <a:bodyPr/>
+          <a:lstStyle/>
+          <a:p>
+            <a:r>
+              <a:rPr lang="en-US" dirty="0" smtClean="0"/>
+              <a:t>Combining Boolean and Comparison Operators</a:t>
+            </a:r>
+            <a:endParaRPr lang="en-US" dirty="0"/>
+          </a:p>
+        </p:txBody>
+      </p:sp>
+      <p:sp>
+        <p:nvSpPr>
+          <p:cNvPr id="3" name="Content Placeholder 2"/>
+          <p:cNvSpPr>
+            <a:spLocks noGrp="1"/>
+          </p:cNvSpPr>
+          <p:nvPr>
+            <p:ph idx="1"/>
+          </p:nvPr>
+        </p:nvSpPr>
+        <p:spPr>
+          <a:xfrm>
+            <a:off x="838200" y="1169893"/>
+            <a:ext cx="10515600" cy="4898397"/>
+          </a:xfrm>
+        </p:spPr>
+        <p:txBody>
+          <a:bodyPr/>
+          <a:lstStyle/>
+          <a:p>
+            <a:r>
+              <a:rPr lang="en-US" sz="2000" dirty="0"/>
+              <a:t>All employees belong to a department</a:t>
+            </a:r>
+          </a:p>
+          <a:p>
+            <a:r>
+              <a:rPr lang="en-US" sz="2000" dirty="0"/>
+              <a:t>All employees working in department 5 have salaries greater than $25,000</a:t>
+            </a:r>
+          </a:p>
+          <a:p>
+            <a:r>
+              <a:rPr lang="en-US" sz="2000" dirty="0"/>
+              <a:t>All employees in department 4 make exactly $40,000 per year.</a:t>
+            </a:r>
+          </a:p>
+          <a:p>
+            <a:r>
+              <a:rPr lang="en-US" sz="2000" dirty="0"/>
+              <a:t>Alice is an employee and she works in department 5</a:t>
+            </a:r>
+          </a:p>
+          <a:p>
+            <a:r>
+              <a:rPr lang="en-US" sz="2000" dirty="0"/>
+              <a:t>Bill is an employee and he works in department 4</a:t>
+            </a:r>
+          </a:p>
+          <a:p>
+            <a:pPr>
+              <a:buNone/>
+            </a:pPr>
+            <a:r>
+              <a:rPr lang="en-US" sz="2000" dirty="0"/>
+              <a:t>Expressions</a:t>
+            </a:r>
+          </a:p>
+          <a:p>
+            <a:r>
+              <a:rPr lang="en-US" sz="2000" dirty="0" err="1"/>
+              <a:t>Alice_salary</a:t>
+            </a:r>
+            <a:r>
+              <a:rPr lang="en-US" sz="2000" dirty="0"/>
+              <a:t> &lt; 25000 OR</a:t>
+            </a:r>
+            <a:br>
+              <a:rPr lang="en-US" sz="2000" dirty="0"/>
+            </a:br>
+            <a:r>
+              <a:rPr lang="en-US" sz="2000" dirty="0" err="1"/>
+              <a:t>Alice_Department</a:t>
+            </a:r>
+            <a:r>
+              <a:rPr lang="en-US" sz="2000" dirty="0"/>
+              <a:t> = 4</a:t>
+            </a:r>
+          </a:p>
+          <a:p>
+            <a:r>
+              <a:rPr lang="en-US" sz="2000" dirty="0" err="1"/>
+              <a:t>Alice_salary</a:t>
+            </a:r>
+            <a:r>
+              <a:rPr lang="en-US" sz="2000" dirty="0"/>
+              <a:t> &gt;= 25000 AND</a:t>
+            </a:r>
+            <a:br>
+              <a:rPr lang="en-US" sz="2000" dirty="0"/>
+            </a:br>
+            <a:r>
+              <a:rPr lang="en-US" sz="2000" dirty="0" err="1"/>
+              <a:t>Bill_department</a:t>
+            </a:r>
+            <a:r>
+              <a:rPr lang="en-US" sz="2000" dirty="0"/>
+              <a:t> = 4</a:t>
+            </a:r>
+          </a:p>
+          <a:p>
+            <a:r>
+              <a:rPr lang="en-US" sz="2000" dirty="0" err="1"/>
+              <a:t>Alice_salary</a:t>
+            </a:r>
+            <a:r>
+              <a:rPr lang="en-US" sz="2000" dirty="0"/>
+              <a:t> &lt; 25000 OR</a:t>
+            </a:r>
+            <a:br>
+              <a:rPr lang="en-US" sz="2000" dirty="0"/>
+            </a:br>
+            <a:r>
+              <a:rPr lang="en-US" sz="2000" dirty="0" err="1"/>
+              <a:t>Bill_Salary</a:t>
+            </a:r>
+            <a:r>
+              <a:rPr lang="en-US" sz="2000" dirty="0"/>
+              <a:t> &lt; 40000 OR</a:t>
+            </a:r>
+            <a:br>
+              <a:rPr lang="en-US" sz="2000" dirty="0"/>
+            </a:br>
+            <a:r>
+              <a:rPr lang="en-US" sz="2000" dirty="0" err="1"/>
+              <a:t>Alice_Department</a:t>
+            </a:r>
+            <a:r>
+              <a:rPr lang="en-US" sz="2000" dirty="0"/>
+              <a:t> = 5</a:t>
+            </a:r>
+          </a:p>
+        </p:txBody>
+      </p:sp>
+    </p:spTree>
+    <p:extLst>
+      <p:ext uri="{BB962C8B-B14F-4D97-AF65-F5344CB8AC3E}">
+        <p14:creationId xmlns:p14="http://schemas.microsoft.com/office/powerpoint/2010/main" val="38980524"/>
+      </p:ext>
+    </p:extLst>
+  </p:cSld>
+  <p:clrMapOvr>
+    <a:masterClrMapping/>
+  </p:clrMapOvr>
+  <p:timing>
+    <p:tnLst>
+      <p:par>
+        <p:cTn id="1" dur="indefinite" restart="never" nodeType="tmRoot"/>
+      </p:par>
+    </p:tnLst>
+  </p:timing>
+</p:sld>
+</file>
+
+<file path=ppt/slides/slide21.xml><?xml version="1.0" encoding="utf-8"?>
+<p:sld xmlns:a="http://schemas.openxmlformats.org/drawingml/2006/main" xmlns:r="http://schemas.openxmlformats.org/officeDocument/2006/relationships" xmlns:p="http://schemas.openxmlformats.org/presentationml/2006/main">
+  <p:cSld>
+    <p:spTree>
+      <p:nvGrpSpPr>
+        <p:cNvPr id="1" name=""/>
+        <p:cNvGrpSpPr/>
+        <p:nvPr/>
+      </p:nvGrpSpPr>
+      <p:grpSpPr>
+        <a:xfrm>
+          <a:off x="0" y="0"/>
+          <a:ext cx="0" cy="0"/>
+          <a:chOff x="0" y="0"/>
+          <a:chExt cx="0" cy="0"/>
+        </a:xfrm>
+      </p:grpSpPr>
+      <p:sp>
+        <p:nvSpPr>
+          <p:cNvPr id="2" name="Title 1"/>
+          <p:cNvSpPr>
+            <a:spLocks noGrp="1"/>
+          </p:cNvSpPr>
+          <p:nvPr>
+            <p:ph type="title"/>
+          </p:nvPr>
+        </p:nvSpPr>
+        <p:spPr/>
+        <p:txBody>
+          <a:bodyPr/>
+          <a:lstStyle/>
+          <a:p>
+            <a:r>
+              <a:rPr lang="en-US" dirty="0" smtClean="0"/>
+              <a:t>Conditional Statements(If..Then..Else)</a:t>
+            </a:r>
+            <a:endParaRPr lang="en-US" dirty="0"/>
+          </a:p>
+        </p:txBody>
+      </p:sp>
+      <p:sp>
+        <p:nvSpPr>
+          <p:cNvPr id="3" name="Content Placeholder 2"/>
+          <p:cNvSpPr>
+            <a:spLocks noGrp="1"/>
+          </p:cNvSpPr>
+          <p:nvPr>
+            <p:ph idx="1"/>
+          </p:nvPr>
+        </p:nvSpPr>
+        <p:spPr>
+          <a:xfrm>
+            <a:off x="797859" y="1287131"/>
+            <a:ext cx="10515600" cy="5063548"/>
+          </a:xfrm>
+        </p:spPr>
+        <p:txBody>
+          <a:bodyPr/>
+          <a:lstStyle/>
+          <a:p>
+            <a:r>
+              <a:rPr lang="en-US" sz="2800" dirty="0"/>
+              <a:t>Control statements “control” which sections of code in a program will be executed.</a:t>
+            </a:r>
+          </a:p>
+          <a:p>
+            <a:r>
+              <a:rPr lang="en-US" sz="2800" dirty="0"/>
+              <a:t>There are 3 types of Control Statements:</a:t>
+            </a:r>
+          </a:p>
+          <a:p>
+            <a:pPr marL="514350" indent="-514350">
+              <a:buFont typeface="+mj-lt"/>
+              <a:buAutoNum type="arabicPeriod"/>
+            </a:pPr>
+            <a:r>
+              <a:rPr lang="en-US" sz="2800" b="1" dirty="0"/>
+              <a:t>Sequential </a:t>
+            </a:r>
+            <a:r>
+              <a:rPr lang="en-US" sz="2800" dirty="0"/>
+              <a:t>– The default ordering of execution</a:t>
+            </a:r>
+          </a:p>
+          <a:p>
+            <a:pPr marL="514350" indent="-514350">
+              <a:buFont typeface="+mj-lt"/>
+              <a:buAutoNum type="arabicPeriod"/>
+            </a:pPr>
+            <a:r>
+              <a:rPr lang="en-US" sz="2800" b="1" dirty="0"/>
+              <a:t>Decision</a:t>
+            </a:r>
+            <a:r>
+              <a:rPr lang="en-US" sz="2800" dirty="0"/>
+              <a:t> (Conditional) – controls which block of code within several alternatives is executed.</a:t>
+            </a:r>
+          </a:p>
+          <a:p>
+            <a:pPr marL="514350" indent="-514350">
+              <a:buFont typeface="+mj-lt"/>
+              <a:buAutoNum type="arabicPeriod"/>
+            </a:pPr>
+            <a:r>
+              <a:rPr lang="en-US" sz="2800" b="1" dirty="0"/>
+              <a:t>Iterative</a:t>
+            </a:r>
+            <a:r>
+              <a:rPr lang="en-US" sz="2800" dirty="0"/>
+              <a:t> – controls how many times a block of code is executed</a:t>
+            </a:r>
+            <a:r>
+              <a:rPr lang="en-US" dirty="0" smtClean="0"/>
+              <a:t>.</a:t>
+            </a:r>
+          </a:p>
+          <a:p>
+            <a:endParaRPr lang="en-US" dirty="0" smtClean="0"/>
+          </a:p>
+          <a:p>
+            <a:endParaRPr lang="en-US" dirty="0"/>
+          </a:p>
+        </p:txBody>
+      </p:sp>
+    </p:spTree>
+    <p:extLst>
+      <p:ext uri="{BB962C8B-B14F-4D97-AF65-F5344CB8AC3E}">
+        <p14:creationId xmlns:p14="http://schemas.microsoft.com/office/powerpoint/2010/main" val="2752135067"/>
+      </p:ext>
+    </p:extLst>
+  </p:cSld>
+  <p:clrMapOvr>
+    <a:masterClrMapping/>
+  </p:clrMapOvr>
+  <p:timing>
+    <p:tnLst>
+      <p:par>
+        <p:cTn id="1" dur="indefinite" restart="never" nodeType="tmRoot"/>
+      </p:par>
+    </p:tnLst>
+  </p:timing>
+</p:sld>
+</file>
+
+<file path=ppt/slides/slide22.xml><?xml version="1.0" encoding="utf-8"?>
+<p:sld xmlns:a="http://schemas.openxmlformats.org/drawingml/2006/main" xmlns:r="http://schemas.openxmlformats.org/officeDocument/2006/relationships" xmlns:p="http://schemas.openxmlformats.org/presentationml/2006/main">
+  <p:cSld>
+    <p:spTree>
+      <p:nvGrpSpPr>
+        <p:cNvPr id="1" name=""/>
+        <p:cNvGrpSpPr/>
+        <p:nvPr/>
+      </p:nvGrpSpPr>
+      <p:grpSpPr>
+        <a:xfrm>
+          <a:off x="0" y="0"/>
+          <a:ext cx="0" cy="0"/>
+          <a:chOff x="0" y="0"/>
+          <a:chExt cx="0" cy="0"/>
+        </a:xfrm>
+      </p:grpSpPr>
+      <p:sp>
+        <p:nvSpPr>
+          <p:cNvPr id="2" name="Title 1"/>
+          <p:cNvSpPr>
+            <a:spLocks noGrp="1"/>
+          </p:cNvSpPr>
+          <p:nvPr>
+            <p:ph type="title"/>
+          </p:nvPr>
+        </p:nvSpPr>
+        <p:spPr/>
+        <p:txBody>
+          <a:bodyPr/>
+          <a:lstStyle/>
+          <a:p>
+            <a:r>
+              <a:rPr lang="en-US" dirty="0" smtClean="0"/>
+              <a:t>Example for Control Statements</a:t>
+            </a:r>
+            <a:endParaRPr lang="en-US" dirty="0"/>
+          </a:p>
+        </p:txBody>
+      </p:sp>
+      <p:graphicFrame>
+        <p:nvGraphicFramePr>
+          <p:cNvPr id="4" name="Content Placeholder 3"/>
+          <p:cNvGraphicFramePr>
+            <a:graphicFrameLocks noGrp="1"/>
+          </p:cNvGraphicFramePr>
+          <p:nvPr>
+            <p:ph idx="1"/>
+            <p:extLst>
+              <p:ext uri="{D42A27DB-BD31-4B8C-83A1-F6EECF244321}">
+                <p14:modId xmlns:p14="http://schemas.microsoft.com/office/powerpoint/2010/main" val="1682928284"/>
+              </p:ext>
+            </p:extLst>
+          </p:nvPr>
+        </p:nvGraphicFramePr>
+        <p:xfrm>
+          <a:off x="1712259" y="1322294"/>
+          <a:ext cx="7772400" cy="4802505"/>
+        </p:xfrm>
+        <a:graphic>
+          <a:graphicData uri="http://schemas.openxmlformats.org/drawingml/2006/table">
+            <a:tbl>
+              <a:tblPr firstRow="1" bandRow="1">
+                <a:tableStyleId>{5C22544A-7EE6-4342-B048-85BDC9FD1C3A}</a:tableStyleId>
+              </a:tblPr>
+              <a:tblGrid>
+                <a:gridCol w="1676400">
+                  <a:extLst>
+                    <a:ext uri="{9D8B030D-6E8A-4147-A177-3AD203B41FA5}">
+                      <a16:colId xmlns:a16="http://schemas.microsoft.com/office/drawing/2014/main" val="20000"/>
+                    </a:ext>
+                  </a:extLst>
+                </a:gridCol>
+                <a:gridCol w="6096000">
+                  <a:extLst>
+                    <a:ext uri="{9D8B030D-6E8A-4147-A177-3AD203B41FA5}">
+                      <a16:colId xmlns:a16="http://schemas.microsoft.com/office/drawing/2014/main" val="20001"/>
+                    </a:ext>
+                  </a:extLst>
+                </a:gridCol>
+              </a:tblGrid>
+              <a:tr h="504825">
+                <a:tc>
+                  <a:txBody>
+                    <a:bodyPr/>
+                    <a:lstStyle/>
+                    <a:p>
+                      <a:pPr algn="ctr"/>
+                      <a:r>
+                        <a:rPr lang="en-US" dirty="0" smtClean="0"/>
+                        <a:t>Language</a:t>
+                      </a:r>
+                      <a:endParaRPr lang="en-US" dirty="0"/>
+                    </a:p>
+                  </a:txBody>
+                  <a:tcPr anchor="ctr"/>
+                </a:tc>
+                <a:tc>
+                  <a:txBody>
+                    <a:bodyPr/>
+                    <a:lstStyle/>
+                    <a:p>
+                      <a:pPr algn="ctr"/>
+                      <a:r>
+                        <a:rPr lang="en-US" dirty="0" smtClean="0"/>
+                        <a:t>Example Program</a:t>
+                      </a:r>
+                      <a:endParaRPr lang="en-US" dirty="0"/>
+                    </a:p>
+                  </a:txBody>
+                  <a:tcPr anchor="ctr"/>
+                </a:tc>
+                <a:extLst>
+                  <a:ext uri="{0D108BD9-81ED-4DB2-BD59-A6C34878D82A}">
+                    <a16:rowId xmlns:a16="http://schemas.microsoft.com/office/drawing/2014/main" val="10000"/>
+                  </a:ext>
+                </a:extLst>
+              </a:tr>
+              <a:tr h="1918335">
+                <a:tc>
+                  <a:txBody>
+                    <a:bodyPr/>
+                    <a:lstStyle/>
+                    <a:p>
+                      <a:pPr algn="ctr"/>
+                      <a:r>
+                        <a:rPr lang="en-US" dirty="0" smtClean="0"/>
+                        <a:t>“C” or C++</a:t>
+                      </a:r>
+                      <a:endParaRPr lang="en-US" dirty="0"/>
+                    </a:p>
+                  </a:txBody>
+                  <a:tcPr anchor="ctr"/>
+                </a:tc>
+                <a:tc>
+                  <a:txBody>
+                    <a:bodyPr/>
+                    <a:lstStyle/>
+                    <a:p>
+                      <a:r>
+                        <a:rPr lang="en-US" dirty="0" smtClean="0"/>
+                        <a:t>#include &lt;</a:t>
+                      </a:r>
+                      <a:r>
+                        <a:rPr lang="en-US" dirty="0" err="1" smtClean="0"/>
+                        <a:t>stdio.h</a:t>
+                      </a:r>
+                      <a:r>
+                        <a:rPr lang="en-US" dirty="0" smtClean="0"/>
+                        <a:t>&gt; main() { </a:t>
+                      </a:r>
+                    </a:p>
+                    <a:p>
+                      <a:r>
+                        <a:rPr lang="en-US" dirty="0" err="1" smtClean="0"/>
+                        <a:t>int</a:t>
+                      </a:r>
+                      <a:r>
+                        <a:rPr lang="en-US" dirty="0" smtClean="0"/>
+                        <a:t> department; </a:t>
+                      </a:r>
+                    </a:p>
+                    <a:p>
+                      <a:r>
+                        <a:rPr lang="en-US" dirty="0" smtClean="0"/>
+                        <a:t>department = 5; </a:t>
+                      </a:r>
+                    </a:p>
+                    <a:p>
+                      <a:r>
+                        <a:rPr lang="en-US" dirty="0" smtClean="0"/>
+                        <a:t>if (department == 5) { </a:t>
+                      </a:r>
+                      <a:r>
+                        <a:rPr lang="en-US" dirty="0" err="1" smtClean="0"/>
+                        <a:t>printf</a:t>
+                      </a:r>
+                      <a:r>
+                        <a:rPr lang="en-US" dirty="0" smtClean="0"/>
+                        <a:t>("Employees should be paid more than 25,000"); </a:t>
+                      </a:r>
+                    </a:p>
+                    <a:p>
+                      <a:r>
+                        <a:rPr lang="en-US" dirty="0" smtClean="0"/>
+                        <a:t>} else { </a:t>
+                      </a:r>
+                      <a:r>
+                        <a:rPr lang="en-US" dirty="0" err="1" smtClean="0"/>
+                        <a:t>printf</a:t>
+                      </a:r>
+                      <a:r>
+                        <a:rPr lang="en-US" dirty="0" smtClean="0"/>
+                        <a:t>("Employees should be paid exactly 40,000"); } }</a:t>
+                      </a:r>
+                      <a:endParaRPr lang="en-US" dirty="0"/>
+                    </a:p>
+                  </a:txBody>
+                  <a:tcPr/>
+                </a:tc>
+                <a:extLst>
+                  <a:ext uri="{0D108BD9-81ED-4DB2-BD59-A6C34878D82A}">
+                    <a16:rowId xmlns:a16="http://schemas.microsoft.com/office/drawing/2014/main" val="10001"/>
+                  </a:ext>
+                </a:extLst>
+              </a:tr>
+              <a:tr h="1615440">
+                <a:tc>
+                  <a:txBody>
+                    <a:bodyPr/>
+                    <a:lstStyle/>
+                    <a:p>
+                      <a:pPr algn="ctr"/>
+                      <a:r>
+                        <a:rPr lang="en-US" dirty="0" smtClean="0"/>
+                        <a:t>Java</a:t>
+                      </a:r>
+                      <a:endParaRPr lang="en-US" dirty="0"/>
+                    </a:p>
+                  </a:txBody>
+                  <a:tcPr anchor="ctr"/>
+                </a:tc>
+                <a:tc>
+                  <a:txBody>
+                    <a:bodyPr/>
+                    <a:lstStyle/>
+                    <a:p>
+                      <a:r>
+                        <a:rPr lang="en-US" dirty="0" smtClean="0"/>
+                        <a:t>class </a:t>
+                      </a:r>
+                      <a:r>
+                        <a:rPr lang="en-US" dirty="0" err="1" smtClean="0"/>
+                        <a:t>myexample</a:t>
+                      </a:r>
+                      <a:r>
+                        <a:rPr lang="en-US" dirty="0" smtClean="0"/>
+                        <a:t> { </a:t>
+                      </a:r>
+                    </a:p>
+                    <a:p>
+                      <a:r>
+                        <a:rPr lang="en-US" dirty="0" smtClean="0"/>
+                        <a:t>public static void main (String </a:t>
+                      </a:r>
+                      <a:r>
+                        <a:rPr lang="en-US" dirty="0" err="1" smtClean="0"/>
+                        <a:t>args</a:t>
+                      </a:r>
+                      <a:r>
+                        <a:rPr lang="en-US" dirty="0" smtClean="0"/>
+                        <a:t> []) {</a:t>
+                      </a:r>
+                    </a:p>
+                    <a:p>
+                      <a:r>
+                        <a:rPr lang="en-US" dirty="0" smtClean="0"/>
+                        <a:t> </a:t>
+                      </a:r>
+                      <a:r>
+                        <a:rPr lang="en-US" dirty="0" err="1" smtClean="0"/>
+                        <a:t>int</a:t>
+                      </a:r>
+                      <a:r>
+                        <a:rPr lang="en-US" dirty="0" smtClean="0"/>
+                        <a:t> department = 5; </a:t>
+                      </a:r>
+                    </a:p>
+                    <a:p>
+                      <a:r>
+                        <a:rPr lang="en-US" dirty="0" smtClean="0"/>
+                        <a:t>if (department == 5) { </a:t>
+                      </a:r>
+                    </a:p>
+                    <a:p>
+                      <a:r>
+                        <a:rPr lang="en-US" dirty="0" smtClean="0"/>
+                        <a:t>    </a:t>
+                      </a:r>
+                      <a:r>
+                        <a:rPr lang="en-US" dirty="0" err="1" smtClean="0"/>
+                        <a:t>System.out.println</a:t>
+                      </a:r>
+                      <a:r>
+                        <a:rPr lang="en-US" dirty="0" smtClean="0"/>
+                        <a:t> ("Employees should be paid more than 25,000"); } else { </a:t>
+                      </a:r>
+                    </a:p>
+                    <a:p>
+                      <a:r>
+                        <a:rPr lang="en-US" dirty="0" smtClean="0"/>
+                        <a:t>    </a:t>
+                      </a:r>
+                      <a:r>
+                        <a:rPr lang="en-US" dirty="0" err="1" smtClean="0"/>
+                        <a:t>System.out.println</a:t>
+                      </a:r>
+                      <a:r>
+                        <a:rPr lang="en-US" dirty="0" smtClean="0"/>
+                        <a:t> ("Employees should be paid exactly 40,000"); } } }</a:t>
+                      </a:r>
+                      <a:endParaRPr lang="en-US" dirty="0"/>
+                    </a:p>
+                  </a:txBody>
+                  <a:tcPr/>
+                </a:tc>
+                <a:extLst>
+                  <a:ext uri="{0D108BD9-81ED-4DB2-BD59-A6C34878D82A}">
+                    <a16:rowId xmlns:a16="http://schemas.microsoft.com/office/drawing/2014/main" val="10002"/>
+                  </a:ext>
+                </a:extLst>
+              </a:tr>
+            </a:tbl>
+          </a:graphicData>
+        </a:graphic>
+      </p:graphicFrame>
+    </p:spTree>
+    <p:extLst>
+      <p:ext uri="{BB962C8B-B14F-4D97-AF65-F5344CB8AC3E}">
+        <p14:creationId xmlns:p14="http://schemas.microsoft.com/office/powerpoint/2010/main" val="1309591758"/>
+      </p:ext>
+    </p:extLst>
+  </p:cSld>
+  <p:clrMapOvr>
+    <a:masterClrMapping/>
+  </p:clrMapOvr>
+  <p:timing>
+    <p:tnLst>
+      <p:par>
+        <p:cTn id="1" dur="indefinite" restart="never" nodeType="tmRoot"/>
+      </p:par>
+    </p:tnLst>
+  </p:timing>
+</p:sld>
+</file>
+
+<file path=ppt/slides/slide23.xml><?xml version="1.0" encoding="utf-8"?>
+<p:sld xmlns:a="http://schemas.openxmlformats.org/drawingml/2006/main" xmlns:r="http://schemas.openxmlformats.org/officeDocument/2006/relationships" xmlns:p="http://schemas.openxmlformats.org/presentationml/2006/main">
+  <p:cSld>
+    <p:spTree>
+      <p:nvGrpSpPr>
+        <p:cNvPr id="1" name=""/>
+        <p:cNvGrpSpPr/>
+        <p:nvPr/>
+      </p:nvGrpSpPr>
+      <p:grpSpPr>
+        <a:xfrm>
+          <a:off x="0" y="0"/>
+          <a:ext cx="0" cy="0"/>
+          <a:chOff x="0" y="0"/>
+          <a:chExt cx="0" cy="0"/>
+        </a:xfrm>
+      </p:grpSpPr>
+      <p:sp>
+        <p:nvSpPr>
+          <p:cNvPr id="2" name="Title 1"/>
+          <p:cNvSpPr>
+            <a:spLocks noGrp="1"/>
+          </p:cNvSpPr>
+          <p:nvPr>
+            <p:ph type="title"/>
+          </p:nvPr>
+        </p:nvSpPr>
+        <p:spPr/>
+        <p:txBody>
+          <a:bodyPr/>
+          <a:lstStyle/>
+          <a:p>
+            <a:r>
+              <a:rPr lang="en-US" dirty="0" smtClean="0"/>
+              <a:t>Iterative Constructs (Loops)</a:t>
+            </a:r>
+            <a:endParaRPr lang="en-US" dirty="0"/>
+          </a:p>
+        </p:txBody>
+      </p:sp>
+      <p:sp>
+        <p:nvSpPr>
+          <p:cNvPr id="3" name="Content Placeholder 2"/>
+          <p:cNvSpPr>
+            <a:spLocks noGrp="1"/>
+          </p:cNvSpPr>
+          <p:nvPr>
+            <p:ph idx="1"/>
+          </p:nvPr>
+        </p:nvSpPr>
+        <p:spPr>
+          <a:xfrm>
+            <a:off x="676835" y="1179555"/>
+            <a:ext cx="10515600" cy="5063548"/>
+          </a:xfrm>
+        </p:spPr>
+        <p:txBody>
+          <a:bodyPr/>
+          <a:lstStyle/>
+          <a:p>
+            <a:r>
+              <a:rPr lang="en-US" sz="2800" dirty="0"/>
+              <a:t>All programming languages have a facility to allow a section of code to be repeated (iterated or looped). </a:t>
+            </a:r>
+          </a:p>
+          <a:p>
+            <a:r>
+              <a:rPr lang="en-US" sz="2800" dirty="0"/>
+              <a:t>Looping Constructs fall into two categories: FOR loops and WHILE/DO loops.</a:t>
+            </a:r>
+          </a:p>
+        </p:txBody>
+      </p:sp>
+    </p:spTree>
+    <p:extLst>
+      <p:ext uri="{BB962C8B-B14F-4D97-AF65-F5344CB8AC3E}">
+        <p14:creationId xmlns:p14="http://schemas.microsoft.com/office/powerpoint/2010/main" val="1982001296"/>
+      </p:ext>
+    </p:extLst>
+  </p:cSld>
+  <p:clrMapOvr>
+    <a:masterClrMapping/>
+  </p:clrMapOvr>
+  <p:timing>
+    <p:tnLst>
+      <p:par>
+        <p:cTn id="1" dur="indefinite" restart="never" nodeType="tmRoot"/>
+      </p:par>
+    </p:tnLst>
+  </p:timing>
+</p:sld>
+</file>
+
+<file path=ppt/slides/slide24.xml><?xml version="1.0" encoding="utf-8"?>
+<p:sld xmlns:a="http://schemas.openxmlformats.org/drawingml/2006/main" xmlns:r="http://schemas.openxmlformats.org/officeDocument/2006/relationships" xmlns:p="http://schemas.openxmlformats.org/presentationml/2006/main">
+  <p:cSld>
+    <p:spTree>
+      <p:nvGrpSpPr>
+        <p:cNvPr id="1" name=""/>
+        <p:cNvGrpSpPr/>
+        <p:nvPr/>
+      </p:nvGrpSpPr>
+      <p:grpSpPr>
+        <a:xfrm>
+          <a:off x="0" y="0"/>
+          <a:ext cx="0" cy="0"/>
+          <a:chOff x="0" y="0"/>
+          <a:chExt cx="0" cy="0"/>
+        </a:xfrm>
+      </p:grpSpPr>
+      <p:sp>
+        <p:nvSpPr>
+          <p:cNvPr id="2" name="Title 1"/>
+          <p:cNvSpPr>
+            <a:spLocks noGrp="1"/>
+          </p:cNvSpPr>
+          <p:nvPr>
+            <p:ph type="title"/>
+          </p:nvPr>
+        </p:nvSpPr>
+        <p:spPr/>
+        <p:txBody>
+          <a:bodyPr>
+            <a:normAutofit fontScale="90000"/>
+          </a:bodyPr>
+          <a:lstStyle/>
+          <a:p>
+            <a:r>
+              <a:rPr lang="en-US" dirty="0" smtClean="0"/>
+              <a:t>FOR Loops</a:t>
+            </a:r>
+            <a:r>
+              <a:rPr lang="en-US" b="1" dirty="0" smtClean="0"/>
+              <a:t/>
+            </a:r>
+            <a:br>
+              <a:rPr lang="en-US" b="1" dirty="0" smtClean="0"/>
+            </a:br>
+            <a:endParaRPr lang="en-US" dirty="0"/>
+          </a:p>
+        </p:txBody>
+      </p:sp>
+      <p:sp>
+        <p:nvSpPr>
+          <p:cNvPr id="3" name="Content Placeholder 2"/>
+          <p:cNvSpPr>
+            <a:spLocks noGrp="1"/>
+          </p:cNvSpPr>
+          <p:nvPr>
+            <p:ph idx="1"/>
+          </p:nvPr>
+        </p:nvSpPr>
+        <p:spPr>
+          <a:xfrm>
+            <a:off x="744070" y="1327473"/>
+            <a:ext cx="10515600" cy="5063548"/>
+          </a:xfrm>
+        </p:spPr>
+        <p:txBody>
+          <a:bodyPr/>
+          <a:lstStyle/>
+          <a:p>
+            <a:r>
+              <a:rPr lang="en-US" dirty="0"/>
+              <a:t>Simple FOR loops iterate a specific number of times based on counting up (or down) on an integer variable. For example, if we want to do something 10 times, we can make a loop that counts up from 1 to 10 and put our code inside the loop.</a:t>
+            </a:r>
+          </a:p>
+          <a:p>
+            <a:r>
+              <a:rPr lang="en-US" dirty="0"/>
+              <a:t>The three main parts that need to be written for a FOR loop are :</a:t>
+            </a:r>
+          </a:p>
+          <a:p>
+            <a:pPr>
+              <a:buFont typeface="Wingdings" pitchFamily="2" charset="2"/>
+              <a:buChar char="q"/>
+            </a:pPr>
+            <a:r>
+              <a:rPr lang="en-US" dirty="0"/>
+              <a:t>Initialization (the initial or starting value)</a:t>
+            </a:r>
+          </a:p>
+          <a:p>
+            <a:pPr>
+              <a:buFont typeface="Wingdings" pitchFamily="2" charset="2"/>
+              <a:buChar char="q"/>
+            </a:pPr>
+            <a:r>
+              <a:rPr lang="en-US" dirty="0"/>
+              <a:t>Condition (the condition under which the loop will stop) </a:t>
+            </a:r>
+          </a:p>
+          <a:p>
+            <a:pPr>
+              <a:buFont typeface="Wingdings" pitchFamily="2" charset="2"/>
+              <a:buChar char="q"/>
+            </a:pPr>
+            <a:r>
+              <a:rPr lang="en-US" dirty="0"/>
+              <a:t>increment (or decrement).</a:t>
+            </a:r>
+          </a:p>
+        </p:txBody>
+      </p:sp>
+    </p:spTree>
+    <p:extLst>
+      <p:ext uri="{BB962C8B-B14F-4D97-AF65-F5344CB8AC3E}">
+        <p14:creationId xmlns:p14="http://schemas.microsoft.com/office/powerpoint/2010/main" val="1807318069"/>
+      </p:ext>
+    </p:extLst>
+  </p:cSld>
+  <p:clrMapOvr>
+    <a:masterClrMapping/>
+  </p:clrMapOvr>
+  <p:timing>
+    <p:tnLst>
+      <p:par>
+        <p:cTn id="1" dur="indefinite" restart="never" nodeType="tmRoot"/>
+      </p:par>
+    </p:tnLst>
+  </p:timing>
+</p:sld>
+</file>
+
+<file path=ppt/slides/slide25.xml><?xml version="1.0" encoding="utf-8"?>
+<p:sld xmlns:a="http://schemas.openxmlformats.org/drawingml/2006/main" xmlns:r="http://schemas.openxmlformats.org/officeDocument/2006/relationships" xmlns:p="http://schemas.openxmlformats.org/presentationml/2006/main">
+  <p:cSld>
+    <p:spTree>
+      <p:nvGrpSpPr>
+        <p:cNvPr id="1" name=""/>
+        <p:cNvGrpSpPr/>
+        <p:nvPr/>
+      </p:nvGrpSpPr>
+      <p:grpSpPr>
+        <a:xfrm>
+          <a:off x="0" y="0"/>
+          <a:ext cx="0" cy="0"/>
+          <a:chOff x="0" y="0"/>
+          <a:chExt cx="0" cy="0"/>
+        </a:xfrm>
+      </p:grpSpPr>
+      <p:sp>
+        <p:nvSpPr>
+          <p:cNvPr id="2" name="Title 1"/>
+          <p:cNvSpPr>
+            <a:spLocks noGrp="1"/>
+          </p:cNvSpPr>
+          <p:nvPr>
+            <p:ph type="title"/>
+          </p:nvPr>
+        </p:nvSpPr>
+        <p:spPr/>
+        <p:txBody>
+          <a:bodyPr/>
+          <a:lstStyle/>
+          <a:p>
+            <a:r>
+              <a:rPr lang="en-US" dirty="0" smtClean="0"/>
+              <a:t>WHILE and DO Loops</a:t>
+            </a:r>
+            <a:endParaRPr lang="en-US" dirty="0"/>
+          </a:p>
+        </p:txBody>
+      </p:sp>
+      <p:sp>
+        <p:nvSpPr>
+          <p:cNvPr id="3" name="Content Placeholder 2"/>
+          <p:cNvSpPr>
+            <a:spLocks noGrp="1"/>
+          </p:cNvSpPr>
+          <p:nvPr>
+            <p:ph idx="1"/>
+          </p:nvPr>
+        </p:nvSpPr>
+        <p:spPr>
+          <a:xfrm>
+            <a:off x="1712259" y="1241612"/>
+            <a:ext cx="7772400" cy="4724400"/>
+          </a:xfrm>
+        </p:spPr>
+        <p:txBody>
+          <a:bodyPr/>
+          <a:lstStyle/>
+          <a:p>
+            <a:r>
+              <a:rPr lang="en-US" dirty="0"/>
+              <a:t>Like FOR loops, the WHILE and DO loops are also used to repeat a section of code for some number of times. However while FOR loops basically specify some count, WHILE and DO loops repeat while a </a:t>
+            </a:r>
+            <a:r>
+              <a:rPr lang="en-US" i="1" dirty="0"/>
+              <a:t>condition</a:t>
+            </a:r>
+            <a:r>
+              <a:rPr lang="en-US" dirty="0"/>
+              <a:t> is true.</a:t>
+            </a:r>
+          </a:p>
+          <a:p>
+            <a:r>
+              <a:rPr lang="en-US" dirty="0"/>
+              <a:t>The </a:t>
+            </a:r>
+            <a:r>
+              <a:rPr lang="en-US" i="1" dirty="0"/>
+              <a:t>condition</a:t>
+            </a:r>
+            <a:r>
+              <a:rPr lang="en-US" dirty="0"/>
+              <a:t> is a </a:t>
+            </a:r>
+            <a:r>
+              <a:rPr lang="en-US" dirty="0" err="1"/>
+              <a:t>boolean</a:t>
+            </a:r>
+            <a:r>
+              <a:rPr lang="en-US" dirty="0"/>
+              <a:t> expression that we can evaluate as either "true" or "false". As soon as the </a:t>
+            </a:r>
+            <a:r>
+              <a:rPr lang="en-US" i="1" dirty="0"/>
+              <a:t>condition</a:t>
+            </a:r>
+            <a:r>
+              <a:rPr lang="en-US" dirty="0"/>
+              <a:t> evaluates to "false" the loop ends.</a:t>
+            </a:r>
+          </a:p>
+          <a:p>
+            <a:r>
+              <a:rPr lang="en-US" dirty="0"/>
+              <a:t>The main difference between a WHILE loop and a DO loop is where the </a:t>
+            </a:r>
+            <a:r>
+              <a:rPr lang="en-US" i="1" dirty="0"/>
+              <a:t>condition</a:t>
+            </a:r>
+            <a:r>
+              <a:rPr lang="en-US" dirty="0"/>
+              <a:t> is checked. WHILE loops check the </a:t>
+            </a:r>
+            <a:r>
+              <a:rPr lang="en-US" i="1" dirty="0"/>
+              <a:t>condition</a:t>
+            </a:r>
+            <a:r>
+              <a:rPr lang="en-US" dirty="0"/>
+              <a:t> first, and then run the statements if true. DO loops run the statements first, then check if the </a:t>
+            </a:r>
+            <a:r>
+              <a:rPr lang="en-US" i="1" dirty="0"/>
+              <a:t>condition </a:t>
+            </a:r>
+            <a:r>
+              <a:rPr lang="en-US" dirty="0"/>
+              <a:t>is true.</a:t>
+            </a:r>
+          </a:p>
+        </p:txBody>
+      </p:sp>
+    </p:spTree>
+    <p:extLst>
+      <p:ext uri="{BB962C8B-B14F-4D97-AF65-F5344CB8AC3E}">
+        <p14:creationId xmlns:p14="http://schemas.microsoft.com/office/powerpoint/2010/main" val="1771427368"/>
+      </p:ext>
+    </p:extLst>
+  </p:cSld>
+  <p:clrMapOvr>
+    <a:masterClrMapping/>
+  </p:clrMapOvr>
+  <p:timing>
+    <p:tnLst>
+      <p:par>
+        <p:cTn id="1" dur="indefinite" restart="never" nodeType="tmRoot"/>
+      </p:par>
+    </p:tnLst>
+  </p:timing>
 </p:sld>
 </file>
 
@@ -3844,6 +7183,261 @@
       </p:grpSpPr>
       <p:sp>
         <p:nvSpPr>
+          <p:cNvPr id="3" name="Title 2"/>
+          <p:cNvSpPr>
+            <a:spLocks noGrp="1"/>
+          </p:cNvSpPr>
+          <p:nvPr>
+            <p:ph type="title"/>
+          </p:nvPr>
+        </p:nvSpPr>
+        <p:spPr/>
+        <p:txBody>
+          <a:bodyPr/>
+          <a:lstStyle/>
+          <a:p>
+            <a:r>
+              <a:rPr lang="en-IN" dirty="0" smtClean="0"/>
+              <a:t>Introductions</a:t>
+            </a:r>
+            <a:endParaRPr lang="en-IN" dirty="0"/>
+          </a:p>
+        </p:txBody>
+      </p:sp>
+      <p:sp>
+        <p:nvSpPr>
+          <p:cNvPr id="4" name="Content Placeholder 3"/>
+          <p:cNvSpPr>
+            <a:spLocks noGrp="1"/>
+          </p:cNvSpPr>
+          <p:nvPr>
+            <p:ph idx="1"/>
+          </p:nvPr>
+        </p:nvSpPr>
+        <p:spPr/>
+        <p:txBody>
+          <a:bodyPr/>
+          <a:lstStyle/>
+          <a:p>
+            <a:pPr marL="0" indent="0">
+              <a:buNone/>
+            </a:pPr>
+            <a:endParaRPr lang="en-IN" dirty="0" smtClean="0">
+              <a:latin typeface="+mn-lt"/>
+            </a:endParaRPr>
+          </a:p>
+          <a:p>
+            <a:r>
+              <a:rPr lang="en-US" dirty="0">
+                <a:latin typeface="+mn-lt"/>
+              </a:rPr>
+              <a:t>Computer programs are collections of instructions that tell a computer how to interact with the user, interact with the computer hardware and process data. </a:t>
+            </a:r>
+          </a:p>
+          <a:p>
+            <a:r>
+              <a:rPr lang="en-US" dirty="0">
+                <a:latin typeface="+mn-lt"/>
+              </a:rPr>
+              <a:t>Low Level Language-Machine Language</a:t>
+            </a:r>
+          </a:p>
+          <a:p>
+            <a:r>
+              <a:rPr lang="en-US" dirty="0">
+                <a:latin typeface="+mn-lt"/>
+              </a:rPr>
+              <a:t>High Level Language-Ex. C,C++,Java</a:t>
+            </a:r>
+          </a:p>
+          <a:p>
+            <a:r>
+              <a:rPr lang="en-US" b="1" dirty="0">
+                <a:latin typeface="+mn-lt"/>
+              </a:rPr>
+              <a:t>Compiler-</a:t>
+            </a:r>
+            <a:r>
+              <a:rPr lang="en-US" dirty="0">
+                <a:latin typeface="+mn-lt"/>
+              </a:rPr>
+              <a:t> A Software that is used to translate high level instruction into machine language.</a:t>
+            </a:r>
+          </a:p>
+          <a:p>
+            <a:pPr marL="0" indent="0">
+              <a:buNone/>
+            </a:pPr>
+            <a:endParaRPr lang="en-IN" dirty="0">
+              <a:latin typeface="+mn-lt"/>
+            </a:endParaRPr>
+          </a:p>
+        </p:txBody>
+      </p:sp>
+    </p:spTree>
+    <p:extLst>
+      <p:ext uri="{BB962C8B-B14F-4D97-AF65-F5344CB8AC3E}">
+        <p14:creationId xmlns:p14="http://schemas.microsoft.com/office/powerpoint/2010/main" val="1363299812"/>
+      </p:ext>
+    </p:extLst>
+  </p:cSld>
+  <p:clrMapOvr>
+    <a:masterClrMapping/>
+  </p:clrMapOvr>
+  <p:timing>
+    <p:tnLst>
+      <p:par>
+        <p:cTn id="1" dur="indefinite" restart="never" nodeType="tmRoot"/>
+      </p:par>
+    </p:tnLst>
+  </p:timing>
+</p:sld>
+</file>
+
+<file path=ppt/slides/slide4.xml><?xml version="1.0" encoding="utf-8"?>
+<p:sld xmlns:a="http://schemas.openxmlformats.org/drawingml/2006/main" xmlns:r="http://schemas.openxmlformats.org/officeDocument/2006/relationships" xmlns:p="http://schemas.openxmlformats.org/presentationml/2006/main">
+  <p:cSld>
+    <p:spTree>
+      <p:nvGrpSpPr>
+        <p:cNvPr id="1" name=""/>
+        <p:cNvGrpSpPr/>
+        <p:nvPr/>
+      </p:nvGrpSpPr>
+      <p:grpSpPr>
+        <a:xfrm>
+          <a:off x="0" y="0"/>
+          <a:ext cx="0" cy="0"/>
+          <a:chOff x="0" y="0"/>
+          <a:chExt cx="0" cy="0"/>
+        </a:xfrm>
+      </p:grpSpPr>
+      <p:sp>
+        <p:nvSpPr>
+          <p:cNvPr id="2" name="Title 1"/>
+          <p:cNvSpPr>
+            <a:spLocks noGrp="1"/>
+          </p:cNvSpPr>
+          <p:nvPr>
+            <p:ph type="title"/>
+          </p:nvPr>
+        </p:nvSpPr>
+        <p:spPr/>
+        <p:txBody>
+          <a:bodyPr/>
+          <a:lstStyle/>
+          <a:p>
+            <a:r>
+              <a:rPr lang="en-US" dirty="0"/>
+              <a:t>Compiled Language Vs Interpreted Language</a:t>
+            </a:r>
+            <a:endParaRPr lang="en-IN" dirty="0"/>
+          </a:p>
+        </p:txBody>
+      </p:sp>
+      <p:sp>
+        <p:nvSpPr>
+          <p:cNvPr id="3" name="Content Placeholder 2"/>
+          <p:cNvSpPr>
+            <a:spLocks noGrp="1"/>
+          </p:cNvSpPr>
+          <p:nvPr>
+            <p:ph idx="1"/>
+          </p:nvPr>
+        </p:nvSpPr>
+        <p:spPr/>
+        <p:txBody>
+          <a:bodyPr/>
+          <a:lstStyle/>
+          <a:p>
+            <a:endParaRPr lang="en-US" dirty="0" smtClean="0"/>
+          </a:p>
+          <a:p>
+            <a:r>
+              <a:rPr lang="en-US" dirty="0" smtClean="0"/>
+              <a:t>Higher </a:t>
+            </a:r>
+            <a:r>
+              <a:rPr lang="en-US" dirty="0"/>
+              <a:t>level languages such as “C”, C++, Pascal, Cobol, Fortran, ADA and Java are called “compiled languages”. In a compiled language, the programmer writes more general instructions and a </a:t>
+            </a:r>
+            <a:r>
+              <a:rPr lang="en-US" i="1" dirty="0"/>
+              <a:t>compiler</a:t>
+            </a:r>
+            <a:r>
+              <a:rPr lang="en-US" dirty="0"/>
+              <a:t> automatically translates these high level instructions into machine language. The machine language is then executed by the computer. </a:t>
+            </a:r>
+          </a:p>
+          <a:p>
+            <a:r>
+              <a:rPr lang="en-US" dirty="0"/>
+              <a:t>In an interpreted programming language, the statements that the programmer writes are interpreted as the program is running. This means they are translated into machine language </a:t>
+            </a:r>
+            <a:r>
+              <a:rPr lang="en-US" i="1" dirty="0"/>
+              <a:t>on the fly</a:t>
+            </a:r>
+            <a:r>
+              <a:rPr lang="en-US" dirty="0"/>
+              <a:t> and then execute as the program is running. Some popular interpreted languages include Basic, Visual Basic, Perl, Python, and shell scripting languages such as those found in the UNIX, Linux and </a:t>
+            </a:r>
+            <a:r>
+              <a:rPr lang="en-US" dirty="0" err="1"/>
+              <a:t>MacOS</a:t>
+            </a:r>
+            <a:r>
+              <a:rPr lang="en-US" dirty="0"/>
+              <a:t> X environment.</a:t>
+            </a:r>
+          </a:p>
+          <a:p>
+            <a:pPr marL="0" indent="0">
+              <a:buNone/>
+            </a:pPr>
+            <a:endParaRPr lang="en-IN" dirty="0"/>
+          </a:p>
+        </p:txBody>
+      </p:sp>
+    </p:spTree>
+    <p:extLst>
+      <p:ext uri="{BB962C8B-B14F-4D97-AF65-F5344CB8AC3E}">
+        <p14:creationId xmlns:p14="http://schemas.microsoft.com/office/powerpoint/2010/main" val="343278740"/>
+      </p:ext>
+    </p:extLst>
+  </p:cSld>
+  <p:clrMapOvr>
+    <a:masterClrMapping/>
+  </p:clrMapOvr>
+  <p:timing>
+    <p:tnLst>
+      <p:par>
+        <p:cTn id="1" dur="indefinite" restart="never" nodeType="tmRoot"/>
+      </p:par>
+    </p:tnLst>
+  </p:timing>
+</p:sld>
+</file>
+
+<file path=ppt/slides/slide5.xml><?xml version="1.0" encoding="utf-8"?>
+<p:sld xmlns:a="http://schemas.openxmlformats.org/drawingml/2006/main" xmlns:r="http://schemas.openxmlformats.org/officeDocument/2006/relationships" xmlns:p="http://schemas.openxmlformats.org/presentationml/2006/main">
+  <p:cSld>
+    <p:spTree>
+      <p:nvGrpSpPr>
+        <p:cNvPr id="1" name=""/>
+        <p:cNvGrpSpPr/>
+        <p:nvPr/>
+      </p:nvGrpSpPr>
+      <p:grpSpPr>
+        <a:xfrm>
+          <a:off x="0" y="0"/>
+          <a:ext cx="0" cy="0"/>
+          <a:chOff x="0" y="0"/>
+          <a:chExt cx="0" cy="0"/>
+        </a:xfrm>
+      </p:grpSpPr>
+      <p:sp>
+        <p:nvSpPr>
           <p:cNvPr id="2" name="Title 1"/>
           <p:cNvSpPr>
             <a:spLocks noGrp="1"/>
@@ -3861,7 +7455,7 @@
               <a:rPr lang="en-IN" dirty="0" smtClean="0">
                 <a:latin typeface="+mj-lt"/>
               </a:rPr>
-              <a:t>Programing Concepts</a:t>
+              <a:t>Programing Concepts Examples</a:t>
             </a:r>
             <a:endParaRPr lang="en-IN" dirty="0">
               <a:latin typeface="+mj-lt"/>
@@ -3881,8 +7475,8 @@
         </p:nvSpPr>
         <p:spPr>
           <a:xfrm>
-            <a:off x="838200" y="1004743"/>
-            <a:ext cx="10102327" cy="5063548"/>
+            <a:off x="838200" y="1004742"/>
+            <a:ext cx="10102327" cy="5331511"/>
           </a:xfrm>
         </p:spPr>
         <p:txBody>
@@ -3910,9 +7504,15 @@
               <a:buNone/>
             </a:pPr>
             <a:r>
-              <a:rPr lang="en-IN" dirty="0" smtClean="0"/>
+              <a:rPr lang="en-IN" b="1" dirty="0" smtClean="0"/>
               <a:t>Machine Language</a:t>
             </a:r>
+          </a:p>
+          <a:p>
+            <a:pPr marL="0" indent="0">
+              <a:buNone/>
+            </a:pPr>
+            <a:endParaRPr lang="en-IN" b="1" dirty="0" smtClean="0"/>
           </a:p>
           <a:p>
             <a:pPr marL="914400" lvl="1" indent="-457200">
@@ -4089,7 +7689,7 @@
         </p:nvSpPr>
         <p:spPr>
           <a:xfrm>
-            <a:off x="3033655" y="4364858"/>
+            <a:off x="2958352" y="4623041"/>
             <a:ext cx="1387738" cy="99568"/>
           </a:xfrm>
           <a:prstGeom prst="rightArrow">
@@ -4129,7 +7729,7 @@
         </p:nvSpPr>
         <p:spPr>
           <a:xfrm>
-            <a:off x="6045799" y="4959276"/>
+            <a:off x="6164134" y="5335794"/>
             <a:ext cx="903642" cy="892884"/>
           </a:xfrm>
           <a:prstGeom prst="rightBrace">
@@ -4172,10 +7772,17 @@
   <p:clrMapOvr>
     <a:masterClrMapping/>
   </p:clrMapOvr>
+  <p:timing>
+    <p:tnLst>
+      <p:par>
+        <p:cTn id="1" dur="indefinite" restart="never" nodeType="tmRoot"/>
+      </p:par>
+    </p:tnLst>
+  </p:timing>
 </p:sld>
 </file>
 
-<file path=ppt/slides/slide4.xml><?xml version="1.0" encoding="utf-8"?>
+<file path=ppt/slides/slide6.xml><?xml version="1.0" encoding="utf-8"?>
 <p:sld xmlns:a="http://schemas.openxmlformats.org/drawingml/2006/main" xmlns:r="http://schemas.openxmlformats.org/officeDocument/2006/relationships" xmlns:p="http://schemas.openxmlformats.org/presentationml/2006/main">
   <p:cSld>
     <p:spTree>
@@ -4474,10 +8081,17 @@
   <p:clrMapOvr>
     <a:masterClrMapping/>
   </p:clrMapOvr>
+  <p:timing>
+    <p:tnLst>
+      <p:par>
+        <p:cTn id="1" dur="indefinite" restart="never" nodeType="tmRoot"/>
+      </p:par>
+    </p:tnLst>
+  </p:timing>
 </p:sld>
 </file>
 
-<file path=ppt/slides/slide5.xml><?xml version="1.0" encoding="utf-8"?>
+<file path=ppt/slides/slide7.xml><?xml version="1.0" encoding="utf-8"?>
 <p:sld xmlns:a="http://schemas.openxmlformats.org/drawingml/2006/main" xmlns:r="http://schemas.openxmlformats.org/officeDocument/2006/relationships" xmlns:p="http://schemas.openxmlformats.org/presentationml/2006/main">
   <p:cSld>
     <p:spTree>
@@ -4664,7 +8278,7 @@
 </p:sld>
 </file>
 
-<file path=ppt/slides/slide6.xml><?xml version="1.0" encoding="utf-8"?>
+<file path=ppt/slides/slide8.xml><?xml version="1.0" encoding="utf-8"?>
 <p:sld xmlns:a="http://schemas.openxmlformats.org/drawingml/2006/main" xmlns:r="http://schemas.openxmlformats.org/officeDocument/2006/relationships" xmlns:p="http://schemas.openxmlformats.org/presentationml/2006/main">
   <p:cSld>
     <p:spTree>
@@ -4795,10 +8409,17 @@
   <p:clrMapOvr>
     <a:masterClrMapping/>
   </p:clrMapOvr>
+  <p:timing>
+    <p:tnLst>
+      <p:par>
+        <p:cTn id="1" dur="indefinite" restart="never" nodeType="tmRoot"/>
+      </p:par>
+    </p:tnLst>
+  </p:timing>
 </p:sld>
 </file>
 
-<file path=ppt/slides/slide7.xml><?xml version="1.0" encoding="utf-8"?>
+<file path=ppt/slides/slide9.xml><?xml version="1.0" encoding="utf-8"?>
 <p:sld xmlns:a="http://schemas.openxmlformats.org/drawingml/2006/main" xmlns:r="http://schemas.openxmlformats.org/officeDocument/2006/relationships" xmlns:p="http://schemas.openxmlformats.org/presentationml/2006/main">
   <p:cSld>
     <p:spTree>
@@ -4966,93 +8587,13 @@
   <p:clrMapOvr>
     <a:masterClrMapping/>
   </p:clrMapOvr>
-</p:sld>
-</file>
-
-<file path=ppt/slides/slide8.xml><?xml version="1.0" encoding="utf-8"?>
-<p:sld xmlns:a="http://schemas.openxmlformats.org/drawingml/2006/main" xmlns:r="http://schemas.openxmlformats.org/officeDocument/2006/relationships" xmlns:p="http://schemas.openxmlformats.org/presentationml/2006/main">
-  <p:cSld>
-    <p:spTree>
-      <p:nvGrpSpPr>
-        <p:cNvPr id="1" name=""/>
-        <p:cNvGrpSpPr/>
-        <p:nvPr/>
-      </p:nvGrpSpPr>
-      <p:grpSpPr>
-        <a:xfrm>
-          <a:off x="0" y="0"/>
-          <a:ext cx="0" cy="0"/>
-          <a:chOff x="0" y="0"/>
-          <a:chExt cx="0" cy="0"/>
-        </a:xfrm>
-      </p:grpSpPr>
-      <p:sp>
-        <p:nvSpPr>
-          <p:cNvPr id="2" name="Title 1"/>
-          <p:cNvSpPr>
-            <a:spLocks noGrp="1"/>
-          </p:cNvSpPr>
-          <p:nvPr>
-            <p:ph type="title"/>
-          </p:nvPr>
-        </p:nvSpPr>
-        <p:spPr/>
-        <p:txBody>
-          <a:bodyPr/>
-          <a:lstStyle/>
-          <a:p>
-            <a:r>
-              <a:rPr lang="en-IN" dirty="0"/>
-              <a:t>Program </a:t>
-            </a:r>
-            <a:r>
-              <a:rPr lang="en-IN" dirty="0" smtClean="0"/>
-              <a:t>Structure (</a:t>
-            </a:r>
-            <a:r>
-              <a:rPr lang="en-IN" dirty="0" err="1" smtClean="0"/>
-              <a:t>cont</a:t>
-            </a:r>
-            <a:r>
-              <a:rPr lang="en-IN" dirty="0" smtClean="0"/>
-              <a:t>…)</a:t>
-            </a:r>
-            <a:endParaRPr lang="en-IN" dirty="0"/>
-          </a:p>
-        </p:txBody>
-      </p:sp>
-      <p:sp>
-        <p:nvSpPr>
-          <p:cNvPr id="3" name="Content Placeholder 2"/>
-          <p:cNvSpPr>
-            <a:spLocks noGrp="1"/>
-          </p:cNvSpPr>
-          <p:nvPr>
-            <p:ph idx="1"/>
-          </p:nvPr>
-        </p:nvSpPr>
-        <p:spPr/>
-        <p:txBody>
-          <a:bodyPr/>
-          <a:lstStyle/>
-          <a:p>
-            <a:pPr marL="0" indent="0">
-              <a:buNone/>
-            </a:pPr>
-            <a:endParaRPr lang="en-IN" dirty="0"/>
-          </a:p>
-        </p:txBody>
-      </p:sp>
-    </p:spTree>
-    <p:extLst>
-      <p:ext uri="{BB962C8B-B14F-4D97-AF65-F5344CB8AC3E}">
-        <p14:creationId xmlns:p14="http://schemas.microsoft.com/office/powerpoint/2010/main" val="3293504590"/>
-      </p:ext>
-    </p:extLst>
-  </p:cSld>
-  <p:clrMapOvr>
-    <a:masterClrMapping/>
-  </p:clrMapOvr>
+  <p:timing>
+    <p:tnLst>
+      <p:par>
+        <p:cTn id="1" dur="indefinite" restart="never" nodeType="tmRoot"/>
+      </p:par>
+    </p:tnLst>
+  </p:timing>
 </p:sld>
 </file>
 
